--- a/Filament frame graph introduction.pptx
+++ b/Filament frame graph introduction.pptx
@@ -14,17 +14,19 @@
     <p:sldId id="265" r:id="rId8"/>
     <p:sldId id="267" r:id="rId9"/>
     <p:sldId id="262" r:id="rId10"/>
-    <p:sldId id="268" r:id="rId11"/>
-    <p:sldId id="272" r:id="rId12"/>
-    <p:sldId id="271" r:id="rId13"/>
-    <p:sldId id="273" r:id="rId14"/>
-    <p:sldId id="274" r:id="rId15"/>
-    <p:sldId id="275" r:id="rId16"/>
-    <p:sldId id="276" r:id="rId17"/>
-    <p:sldId id="277" r:id="rId18"/>
-    <p:sldId id="270" r:id="rId19"/>
-    <p:sldId id="269" r:id="rId20"/>
-    <p:sldId id="278" r:id="rId21"/>
+    <p:sldId id="280" r:id="rId11"/>
+    <p:sldId id="268" r:id="rId12"/>
+    <p:sldId id="272" r:id="rId13"/>
+    <p:sldId id="271" r:id="rId14"/>
+    <p:sldId id="273" r:id="rId15"/>
+    <p:sldId id="274" r:id="rId16"/>
+    <p:sldId id="275" r:id="rId17"/>
+    <p:sldId id="276" r:id="rId18"/>
+    <p:sldId id="277" r:id="rId19"/>
+    <p:sldId id="270" r:id="rId20"/>
+    <p:sldId id="269" r:id="rId21"/>
+    <p:sldId id="279" r:id="rId22"/>
+    <p:sldId id="278" r:id="rId23"/>
   </p:sldIdLst>
   <p:sldSz cx="12192000" cy="6858000"/>
   <p:notesSz cx="6858000" cy="9144000"/>
@@ -123,6 +125,11 @@
       </a:defRPr>
     </a:lvl9pPr>
   </p:defaultTextStyle>
+  <p:extLst>
+    <p:ext uri="{EFAFB233-063F-42B5-8137-9DF3F51BA10A}">
+      <p15:sldGuideLst xmlns:p15="http://schemas.microsoft.com/office/powerpoint/2012/main"/>
+    </p:ext>
+  </p:extLst>
 </p:presentation>
 </file>
 
@@ -5877,7 +5884,7 @@
             </a:r>
             <a:r>
               <a:rPr lang="en-US" altLang="zh-CN" dirty="0"/>
-              <a:t> data</a:t>
+              <a:t>: data structure</a:t>
             </a:r>
             <a:endParaRPr lang="zh-CN" altLang="en-US" dirty="0"/>
           </a:p>
@@ -5885,100 +5892,2052 @@
       </p:sp>
       <p:sp>
         <p:nvSpPr>
-          <p:cNvPr id="3" name="Content Placeholder 2">
+          <p:cNvPr id="6" name="Oval 5">
             <a:extLst>
               <a:ext uri="{FF2B5EF4-FFF2-40B4-BE49-F238E27FC236}">
-                <a16:creationId xmlns:a16="http://schemas.microsoft.com/office/drawing/2014/main" id="{CAFC576F-4586-E38B-3FBE-4A6C976ED28A}"/>
+                <a16:creationId xmlns:a16="http://schemas.microsoft.com/office/drawing/2014/main" id="{2B3D2CAF-BD41-061D-6D45-19FD481CDA46}"/>
               </a:ext>
             </a:extLst>
           </p:cNvPr>
-          <p:cNvSpPr>
-            <a:spLocks noGrp="1"/>
-          </p:cNvSpPr>
-          <p:nvPr>
-            <p:ph idx="1"/>
-          </p:nvPr>
-        </p:nvSpPr>
-        <p:spPr/>
-        <p:txBody>
-          <a:bodyPr/>
+          <p:cNvSpPr/>
+          <p:nvPr/>
+        </p:nvSpPr>
+        <p:spPr>
+          <a:xfrm>
+            <a:off x="304802" y="3219834"/>
+            <a:ext cx="1787855" cy="1429503"/>
+          </a:xfrm>
+          <a:prstGeom prst="ellipse">
+            <a:avLst/>
+          </a:prstGeom>
+          <a:noFill/>
+          <a:ln>
+            <a:solidFill>
+              <a:schemeClr val="accent3">
+                <a:lumMod val="75000"/>
+              </a:schemeClr>
+            </a:solidFill>
+          </a:ln>
+        </p:spPr>
+        <p:style>
+          <a:lnRef idx="2">
+            <a:schemeClr val="accent6"/>
+          </a:lnRef>
+          <a:fillRef idx="1">
+            <a:schemeClr val="lt1"/>
+          </a:fillRef>
+          <a:effectRef idx="0">
+            <a:schemeClr val="accent6"/>
+          </a:effectRef>
+          <a:fontRef idx="minor">
+            <a:schemeClr val="dk1"/>
+          </a:fontRef>
+        </p:style>
+        <p:txBody>
+          <a:bodyPr rtlCol="0" anchor="ctr"/>
           <a:lstStyle/>
           <a:p>
+            <a:pPr algn="ctr"/>
+            <a:r>
+              <a:rPr lang="en-US" altLang="zh-CN" sz="1600" dirty="0" err="1">
+                <a:solidFill>
+                  <a:schemeClr val="tx1"/>
+                </a:solidFill>
+              </a:rPr>
+              <a:t>FrameGraph</a:t>
+            </a:r>
+            <a:endParaRPr lang="zh-CN" altLang="en-US" sz="1600" dirty="0">
+              <a:solidFill>
+                <a:schemeClr val="tx1"/>
+              </a:solidFill>
+            </a:endParaRPr>
+          </a:p>
+        </p:txBody>
+      </p:sp>
+      <p:grpSp>
+        <p:nvGrpSpPr>
+          <p:cNvPr id="7" name="Group 6">
+            <a:extLst>
+              <a:ext uri="{FF2B5EF4-FFF2-40B4-BE49-F238E27FC236}">
+                <a16:creationId xmlns:a16="http://schemas.microsoft.com/office/drawing/2014/main" id="{62474F79-52C5-A9E1-E9C8-1A2DC2BC0C40}"/>
+              </a:ext>
+            </a:extLst>
+          </p:cNvPr>
+          <p:cNvGrpSpPr/>
+          <p:nvPr/>
+        </p:nvGrpSpPr>
+        <p:grpSpPr>
+          <a:xfrm>
+            <a:off x="4255825" y="2552476"/>
+            <a:ext cx="5254390" cy="370840"/>
+            <a:chOff x="1633182" y="4212609"/>
+            <a:chExt cx="5254390" cy="370840"/>
+          </a:xfrm>
+        </p:grpSpPr>
+        <p:sp>
+          <p:nvSpPr>
+            <p:cNvPr id="8" name="Rectangle 7">
+              <a:extLst>
+                <a:ext uri="{FF2B5EF4-FFF2-40B4-BE49-F238E27FC236}">
+                  <a16:creationId xmlns:a16="http://schemas.microsoft.com/office/drawing/2014/main" id="{5FE11523-C7E4-1CC7-50B5-93DE7119A14C}"/>
+                </a:ext>
+              </a:extLst>
+            </p:cNvPr>
+            <p:cNvSpPr/>
+            <p:nvPr/>
+          </p:nvSpPr>
+          <p:spPr>
+            <a:xfrm>
+              <a:off x="1633182" y="4212609"/>
+              <a:ext cx="1050878" cy="370840"/>
+            </a:xfrm>
+            <a:prstGeom prst="rect">
+              <a:avLst/>
+            </a:prstGeom>
+            <a:noFill/>
+            <a:ln>
+              <a:solidFill>
+                <a:schemeClr val="accent3">
+                  <a:lumMod val="75000"/>
+                </a:schemeClr>
+              </a:solidFill>
+            </a:ln>
+          </p:spPr>
+          <p:style>
+            <a:lnRef idx="2">
+              <a:schemeClr val="accent6"/>
+            </a:lnRef>
+            <a:fillRef idx="1">
+              <a:schemeClr val="lt1"/>
+            </a:fillRef>
+            <a:effectRef idx="0">
+              <a:schemeClr val="accent6"/>
+            </a:effectRef>
+            <a:fontRef idx="minor">
+              <a:schemeClr val="dk1"/>
+            </a:fontRef>
+          </p:style>
+          <p:txBody>
+            <a:bodyPr rtlCol="0" anchor="ctr"/>
+            <a:lstStyle/>
+            <a:p>
+              <a:pPr algn="ctr"/>
+              <a:endParaRPr lang="zh-CN" altLang="en-US"/>
+            </a:p>
+          </p:txBody>
+        </p:sp>
+        <p:sp>
+          <p:nvSpPr>
+            <p:cNvPr id="9" name="Rectangle 8">
+              <a:extLst>
+                <a:ext uri="{FF2B5EF4-FFF2-40B4-BE49-F238E27FC236}">
+                  <a16:creationId xmlns:a16="http://schemas.microsoft.com/office/drawing/2014/main" id="{125CF1FB-1077-79E5-78DE-CE7C5F3E1B5A}"/>
+                </a:ext>
+              </a:extLst>
+            </p:cNvPr>
+            <p:cNvSpPr/>
+            <p:nvPr/>
+          </p:nvSpPr>
+          <p:spPr>
+            <a:xfrm>
+              <a:off x="2684060" y="4212609"/>
+              <a:ext cx="1050878" cy="370840"/>
+            </a:xfrm>
+            <a:prstGeom prst="rect">
+              <a:avLst/>
+            </a:prstGeom>
+            <a:noFill/>
+            <a:ln>
+              <a:solidFill>
+                <a:schemeClr val="accent3">
+                  <a:lumMod val="75000"/>
+                </a:schemeClr>
+              </a:solidFill>
+            </a:ln>
+          </p:spPr>
+          <p:style>
+            <a:lnRef idx="2">
+              <a:schemeClr val="accent6"/>
+            </a:lnRef>
+            <a:fillRef idx="1">
+              <a:schemeClr val="lt1"/>
+            </a:fillRef>
+            <a:effectRef idx="0">
+              <a:schemeClr val="accent6"/>
+            </a:effectRef>
+            <a:fontRef idx="minor">
+              <a:schemeClr val="dk1"/>
+            </a:fontRef>
+          </p:style>
+          <p:txBody>
+            <a:bodyPr rtlCol="0" anchor="ctr"/>
+            <a:lstStyle/>
+            <a:p>
+              <a:pPr algn="ctr"/>
+              <a:endParaRPr lang="zh-CN" altLang="en-US"/>
+            </a:p>
+          </p:txBody>
+        </p:sp>
+        <p:sp>
+          <p:nvSpPr>
+            <p:cNvPr id="10" name="Rectangle 9">
+              <a:extLst>
+                <a:ext uri="{FF2B5EF4-FFF2-40B4-BE49-F238E27FC236}">
+                  <a16:creationId xmlns:a16="http://schemas.microsoft.com/office/drawing/2014/main" id="{3CBA0D0E-4A2A-F75C-ADB0-398A7A45BEA3}"/>
+                </a:ext>
+              </a:extLst>
+            </p:cNvPr>
+            <p:cNvSpPr/>
+            <p:nvPr/>
+          </p:nvSpPr>
+          <p:spPr>
+            <a:xfrm>
+              <a:off x="3734938" y="4212609"/>
+              <a:ext cx="1050878" cy="370840"/>
+            </a:xfrm>
+            <a:prstGeom prst="rect">
+              <a:avLst/>
+            </a:prstGeom>
+            <a:noFill/>
+            <a:ln>
+              <a:solidFill>
+                <a:schemeClr val="accent3">
+                  <a:lumMod val="75000"/>
+                </a:schemeClr>
+              </a:solidFill>
+            </a:ln>
+          </p:spPr>
+          <p:style>
+            <a:lnRef idx="2">
+              <a:schemeClr val="accent6"/>
+            </a:lnRef>
+            <a:fillRef idx="1">
+              <a:schemeClr val="lt1"/>
+            </a:fillRef>
+            <a:effectRef idx="0">
+              <a:schemeClr val="accent6"/>
+            </a:effectRef>
+            <a:fontRef idx="minor">
+              <a:schemeClr val="dk1"/>
+            </a:fontRef>
+          </p:style>
+          <p:txBody>
+            <a:bodyPr rtlCol="0" anchor="ctr"/>
+            <a:lstStyle/>
+            <a:p>
+              <a:pPr algn="ctr"/>
+              <a:endParaRPr lang="zh-CN" altLang="en-US"/>
+            </a:p>
+          </p:txBody>
+        </p:sp>
+        <p:sp>
+          <p:nvSpPr>
+            <p:cNvPr id="11" name="Rectangle 10">
+              <a:extLst>
+                <a:ext uri="{FF2B5EF4-FFF2-40B4-BE49-F238E27FC236}">
+                  <a16:creationId xmlns:a16="http://schemas.microsoft.com/office/drawing/2014/main" id="{A12EB95E-E7A4-1095-F6A4-D2D736B26200}"/>
+                </a:ext>
+              </a:extLst>
+            </p:cNvPr>
+            <p:cNvSpPr/>
+            <p:nvPr/>
+          </p:nvSpPr>
+          <p:spPr>
+            <a:xfrm>
+              <a:off x="4785816" y="4212609"/>
+              <a:ext cx="1050878" cy="370840"/>
+            </a:xfrm>
+            <a:prstGeom prst="rect">
+              <a:avLst/>
+            </a:prstGeom>
+            <a:noFill/>
+            <a:ln>
+              <a:solidFill>
+                <a:schemeClr val="accent3">
+                  <a:lumMod val="75000"/>
+                </a:schemeClr>
+              </a:solidFill>
+            </a:ln>
+          </p:spPr>
+          <p:style>
+            <a:lnRef idx="2">
+              <a:schemeClr val="accent6"/>
+            </a:lnRef>
+            <a:fillRef idx="1">
+              <a:schemeClr val="lt1"/>
+            </a:fillRef>
+            <a:effectRef idx="0">
+              <a:schemeClr val="accent6"/>
+            </a:effectRef>
+            <a:fontRef idx="minor">
+              <a:schemeClr val="dk1"/>
+            </a:fontRef>
+          </p:style>
+          <p:txBody>
+            <a:bodyPr rtlCol="0" anchor="ctr"/>
+            <a:lstStyle/>
+            <a:p>
+              <a:pPr algn="ctr"/>
+              <a:endParaRPr lang="zh-CN" altLang="en-US"/>
+            </a:p>
+          </p:txBody>
+        </p:sp>
+        <p:sp>
+          <p:nvSpPr>
+            <p:cNvPr id="12" name="Rectangle 11">
+              <a:extLst>
+                <a:ext uri="{FF2B5EF4-FFF2-40B4-BE49-F238E27FC236}">
+                  <a16:creationId xmlns:a16="http://schemas.microsoft.com/office/drawing/2014/main" id="{C67852DE-D28C-97DE-0465-3F3E25F06DF6}"/>
+                </a:ext>
+              </a:extLst>
+            </p:cNvPr>
+            <p:cNvSpPr/>
+            <p:nvPr/>
+          </p:nvSpPr>
+          <p:spPr>
+            <a:xfrm>
+              <a:off x="5836694" y="4212609"/>
+              <a:ext cx="1050878" cy="370840"/>
+            </a:xfrm>
+            <a:prstGeom prst="rect">
+              <a:avLst/>
+            </a:prstGeom>
+            <a:noFill/>
+            <a:ln>
+              <a:solidFill>
+                <a:schemeClr val="accent3">
+                  <a:lumMod val="75000"/>
+                </a:schemeClr>
+              </a:solidFill>
+            </a:ln>
+          </p:spPr>
+          <p:style>
+            <a:lnRef idx="2">
+              <a:schemeClr val="accent6"/>
+            </a:lnRef>
+            <a:fillRef idx="1">
+              <a:schemeClr val="lt1"/>
+            </a:fillRef>
+            <a:effectRef idx="0">
+              <a:schemeClr val="accent6"/>
+            </a:effectRef>
+            <a:fontRef idx="minor">
+              <a:schemeClr val="dk1"/>
+            </a:fontRef>
+          </p:style>
+          <p:txBody>
+            <a:bodyPr rtlCol="0" anchor="ctr"/>
+            <a:lstStyle/>
+            <a:p>
+              <a:pPr algn="ctr"/>
+              <a:endParaRPr lang="zh-CN" altLang="en-US"/>
+            </a:p>
+          </p:txBody>
+        </p:sp>
+      </p:grpSp>
+      <p:sp>
+        <p:nvSpPr>
+          <p:cNvPr id="13" name="Oval 12">
+            <a:extLst>
+              <a:ext uri="{FF2B5EF4-FFF2-40B4-BE49-F238E27FC236}">
+                <a16:creationId xmlns:a16="http://schemas.microsoft.com/office/drawing/2014/main" id="{E337DF40-8652-41A1-7374-7F8D872AF269}"/>
+              </a:ext>
+            </a:extLst>
+          </p:cNvPr>
+          <p:cNvSpPr/>
+          <p:nvPr/>
+        </p:nvSpPr>
+        <p:spPr>
+          <a:xfrm>
+            <a:off x="4428698" y="1690688"/>
+            <a:ext cx="1860644" cy="593037"/>
+          </a:xfrm>
+          <a:prstGeom prst="ellipse">
+            <a:avLst/>
+          </a:prstGeom>
+          <a:noFill/>
+          <a:ln>
+            <a:solidFill>
+              <a:schemeClr val="accent3">
+                <a:lumMod val="75000"/>
+              </a:schemeClr>
+            </a:solidFill>
+          </a:ln>
+        </p:spPr>
+        <p:style>
+          <a:lnRef idx="2">
+            <a:schemeClr val="accent6"/>
+          </a:lnRef>
+          <a:fillRef idx="1">
+            <a:schemeClr val="lt1"/>
+          </a:fillRef>
+          <a:effectRef idx="0">
+            <a:schemeClr val="accent6"/>
+          </a:effectRef>
+          <a:fontRef idx="minor">
+            <a:schemeClr val="dk1"/>
+          </a:fontRef>
+        </p:style>
+        <p:txBody>
+          <a:bodyPr rtlCol="0" anchor="ctr"/>
+          <a:lstStyle/>
+          <a:p>
+            <a:pPr algn="ctr"/>
+            <a:r>
+              <a:rPr lang="en-US" altLang="zh-CN" sz="1600" dirty="0">
+                <a:solidFill>
+                  <a:schemeClr val="tx1"/>
+                </a:solidFill>
+              </a:rPr>
+              <a:t>DAG</a:t>
+            </a:r>
+            <a:endParaRPr lang="zh-CN" altLang="en-US" sz="1600" dirty="0">
+              <a:solidFill>
+                <a:schemeClr val="tx1"/>
+              </a:solidFill>
+            </a:endParaRPr>
+          </a:p>
+        </p:txBody>
+      </p:sp>
+      <p:sp>
+        <p:nvSpPr>
+          <p:cNvPr id="15" name="TextBox 14">
+            <a:extLst>
+              <a:ext uri="{FF2B5EF4-FFF2-40B4-BE49-F238E27FC236}">
+                <a16:creationId xmlns:a16="http://schemas.microsoft.com/office/drawing/2014/main" id="{ABC737AB-719B-D9BE-B67D-58F89AA8B457}"/>
+              </a:ext>
+            </a:extLst>
+          </p:cNvPr>
+          <p:cNvSpPr txBox="1"/>
+          <p:nvPr/>
+        </p:nvSpPr>
+        <p:spPr>
+          <a:xfrm>
+            <a:off x="2734103" y="2553984"/>
+            <a:ext cx="1264693" cy="369332"/>
+          </a:xfrm>
+          <a:prstGeom prst="rect">
+            <a:avLst/>
+          </a:prstGeom>
+          <a:noFill/>
+        </p:spPr>
+        <p:txBody>
+          <a:bodyPr wrap="square">
+            <a:spAutoFit/>
+          </a:bodyPr>
+          <a:lstStyle/>
+          <a:p>
             <a:r>
               <a:rPr lang="en-US" altLang="zh-CN" dirty="0"/>
-              <a:t>Graph feature:</a:t>
-            </a:r>
-          </a:p>
-          <a:p>
-            <a:pPr lvl="1"/>
+              <a:t>p</a:t>
+            </a:r>
+            <a:r>
+              <a:rPr lang="en-US" altLang="zh-CN" sz="1800" dirty="0">
+                <a:solidFill>
+                  <a:schemeClr val="tx1"/>
+                </a:solidFill>
+              </a:rPr>
+              <a:t>ass nodes</a:t>
+            </a:r>
+            <a:endParaRPr lang="zh-CN" altLang="en-US" dirty="0"/>
+          </a:p>
+        </p:txBody>
+      </p:sp>
+      <p:grpSp>
+        <p:nvGrpSpPr>
+          <p:cNvPr id="16" name="Group 15">
+            <a:extLst>
+              <a:ext uri="{FF2B5EF4-FFF2-40B4-BE49-F238E27FC236}">
+                <a16:creationId xmlns:a16="http://schemas.microsoft.com/office/drawing/2014/main" id="{97C6DCD8-36C2-D4EB-AD46-CFBE917BFB9F}"/>
+              </a:ext>
+            </a:extLst>
+          </p:cNvPr>
+          <p:cNvGrpSpPr/>
+          <p:nvPr/>
+        </p:nvGrpSpPr>
+        <p:grpSpPr>
+          <a:xfrm>
+            <a:off x="4255825" y="3145513"/>
+            <a:ext cx="5254390" cy="370840"/>
+            <a:chOff x="1633182" y="4212609"/>
+            <a:chExt cx="5254390" cy="370840"/>
+          </a:xfrm>
+        </p:grpSpPr>
+        <p:sp>
+          <p:nvSpPr>
+            <p:cNvPr id="17" name="Rectangle 16">
+              <a:extLst>
+                <a:ext uri="{FF2B5EF4-FFF2-40B4-BE49-F238E27FC236}">
+                  <a16:creationId xmlns:a16="http://schemas.microsoft.com/office/drawing/2014/main" id="{9D8BAD18-C7EF-BC3B-0C4E-899F0DD4A875}"/>
+                </a:ext>
+              </a:extLst>
+            </p:cNvPr>
+            <p:cNvSpPr/>
+            <p:nvPr/>
+          </p:nvSpPr>
+          <p:spPr>
+            <a:xfrm>
+              <a:off x="1633182" y="4212609"/>
+              <a:ext cx="1050878" cy="370840"/>
+            </a:xfrm>
+            <a:prstGeom prst="rect">
+              <a:avLst/>
+            </a:prstGeom>
+            <a:noFill/>
+            <a:ln>
+              <a:solidFill>
+                <a:schemeClr val="accent3">
+                  <a:lumMod val="75000"/>
+                </a:schemeClr>
+              </a:solidFill>
+            </a:ln>
+          </p:spPr>
+          <p:style>
+            <a:lnRef idx="2">
+              <a:schemeClr val="accent6"/>
+            </a:lnRef>
+            <a:fillRef idx="1">
+              <a:schemeClr val="lt1"/>
+            </a:fillRef>
+            <a:effectRef idx="0">
+              <a:schemeClr val="accent6"/>
+            </a:effectRef>
+            <a:fontRef idx="minor">
+              <a:schemeClr val="dk1"/>
+            </a:fontRef>
+          </p:style>
+          <p:txBody>
+            <a:bodyPr rtlCol="0" anchor="ctr"/>
+            <a:lstStyle/>
+            <a:p>
+              <a:pPr algn="ctr"/>
+              <a:endParaRPr lang="zh-CN" altLang="en-US"/>
+            </a:p>
+          </p:txBody>
+        </p:sp>
+        <p:sp>
+          <p:nvSpPr>
+            <p:cNvPr id="18" name="Rectangle 17">
+              <a:extLst>
+                <a:ext uri="{FF2B5EF4-FFF2-40B4-BE49-F238E27FC236}">
+                  <a16:creationId xmlns:a16="http://schemas.microsoft.com/office/drawing/2014/main" id="{68DCEF15-184A-DDF7-A638-F9FBB9C1516E}"/>
+                </a:ext>
+              </a:extLst>
+            </p:cNvPr>
+            <p:cNvSpPr/>
+            <p:nvPr/>
+          </p:nvSpPr>
+          <p:spPr>
+            <a:xfrm>
+              <a:off x="2684060" y="4212609"/>
+              <a:ext cx="1050878" cy="370840"/>
+            </a:xfrm>
+            <a:prstGeom prst="rect">
+              <a:avLst/>
+            </a:prstGeom>
+            <a:noFill/>
+            <a:ln>
+              <a:solidFill>
+                <a:schemeClr val="accent3">
+                  <a:lumMod val="75000"/>
+                </a:schemeClr>
+              </a:solidFill>
+            </a:ln>
+          </p:spPr>
+          <p:style>
+            <a:lnRef idx="2">
+              <a:schemeClr val="accent6"/>
+            </a:lnRef>
+            <a:fillRef idx="1">
+              <a:schemeClr val="lt1"/>
+            </a:fillRef>
+            <a:effectRef idx="0">
+              <a:schemeClr val="accent6"/>
+            </a:effectRef>
+            <a:fontRef idx="minor">
+              <a:schemeClr val="dk1"/>
+            </a:fontRef>
+          </p:style>
+          <p:txBody>
+            <a:bodyPr rtlCol="0" anchor="ctr"/>
+            <a:lstStyle/>
+            <a:p>
+              <a:pPr algn="ctr"/>
+              <a:endParaRPr lang="zh-CN" altLang="en-US"/>
+            </a:p>
+          </p:txBody>
+        </p:sp>
+        <p:sp>
+          <p:nvSpPr>
+            <p:cNvPr id="19" name="Rectangle 18">
+              <a:extLst>
+                <a:ext uri="{FF2B5EF4-FFF2-40B4-BE49-F238E27FC236}">
+                  <a16:creationId xmlns:a16="http://schemas.microsoft.com/office/drawing/2014/main" id="{EA286145-593E-D48C-8FC9-4B96233A0C59}"/>
+                </a:ext>
+              </a:extLst>
+            </p:cNvPr>
+            <p:cNvSpPr/>
+            <p:nvPr/>
+          </p:nvSpPr>
+          <p:spPr>
+            <a:xfrm>
+              <a:off x="3734938" y="4212609"/>
+              <a:ext cx="1050878" cy="370840"/>
+            </a:xfrm>
+            <a:prstGeom prst="rect">
+              <a:avLst/>
+            </a:prstGeom>
+            <a:noFill/>
+            <a:ln>
+              <a:solidFill>
+                <a:schemeClr val="accent3">
+                  <a:lumMod val="75000"/>
+                </a:schemeClr>
+              </a:solidFill>
+            </a:ln>
+          </p:spPr>
+          <p:style>
+            <a:lnRef idx="2">
+              <a:schemeClr val="accent6"/>
+            </a:lnRef>
+            <a:fillRef idx="1">
+              <a:schemeClr val="lt1"/>
+            </a:fillRef>
+            <a:effectRef idx="0">
+              <a:schemeClr val="accent6"/>
+            </a:effectRef>
+            <a:fontRef idx="minor">
+              <a:schemeClr val="dk1"/>
+            </a:fontRef>
+          </p:style>
+          <p:txBody>
+            <a:bodyPr rtlCol="0" anchor="ctr"/>
+            <a:lstStyle/>
+            <a:p>
+              <a:pPr algn="ctr"/>
+              <a:endParaRPr lang="zh-CN" altLang="en-US"/>
+            </a:p>
+          </p:txBody>
+        </p:sp>
+        <p:sp>
+          <p:nvSpPr>
+            <p:cNvPr id="20" name="Rectangle 19">
+              <a:extLst>
+                <a:ext uri="{FF2B5EF4-FFF2-40B4-BE49-F238E27FC236}">
+                  <a16:creationId xmlns:a16="http://schemas.microsoft.com/office/drawing/2014/main" id="{182E59F4-A0CD-A0F6-C349-26D8FE4E900F}"/>
+                </a:ext>
+              </a:extLst>
+            </p:cNvPr>
+            <p:cNvSpPr/>
+            <p:nvPr/>
+          </p:nvSpPr>
+          <p:spPr>
+            <a:xfrm>
+              <a:off x="4785816" y="4212609"/>
+              <a:ext cx="1050878" cy="370840"/>
+            </a:xfrm>
+            <a:prstGeom prst="rect">
+              <a:avLst/>
+            </a:prstGeom>
+            <a:noFill/>
+            <a:ln>
+              <a:solidFill>
+                <a:schemeClr val="accent3">
+                  <a:lumMod val="75000"/>
+                </a:schemeClr>
+              </a:solidFill>
+            </a:ln>
+          </p:spPr>
+          <p:style>
+            <a:lnRef idx="2">
+              <a:schemeClr val="accent6"/>
+            </a:lnRef>
+            <a:fillRef idx="1">
+              <a:schemeClr val="lt1"/>
+            </a:fillRef>
+            <a:effectRef idx="0">
+              <a:schemeClr val="accent6"/>
+            </a:effectRef>
+            <a:fontRef idx="minor">
+              <a:schemeClr val="dk1"/>
+            </a:fontRef>
+          </p:style>
+          <p:txBody>
+            <a:bodyPr rtlCol="0" anchor="ctr"/>
+            <a:lstStyle/>
+            <a:p>
+              <a:pPr algn="ctr"/>
+              <a:endParaRPr lang="zh-CN" altLang="en-US"/>
+            </a:p>
+          </p:txBody>
+        </p:sp>
+        <p:sp>
+          <p:nvSpPr>
+            <p:cNvPr id="21" name="Rectangle 20">
+              <a:extLst>
+                <a:ext uri="{FF2B5EF4-FFF2-40B4-BE49-F238E27FC236}">
+                  <a16:creationId xmlns:a16="http://schemas.microsoft.com/office/drawing/2014/main" id="{EA42281A-2D51-F497-0493-8EFB1922D7BE}"/>
+                </a:ext>
+              </a:extLst>
+            </p:cNvPr>
+            <p:cNvSpPr/>
+            <p:nvPr/>
+          </p:nvSpPr>
+          <p:spPr>
+            <a:xfrm>
+              <a:off x="5836694" y="4212609"/>
+              <a:ext cx="1050878" cy="370840"/>
+            </a:xfrm>
+            <a:prstGeom prst="rect">
+              <a:avLst/>
+            </a:prstGeom>
+            <a:noFill/>
+            <a:ln>
+              <a:solidFill>
+                <a:schemeClr val="accent3">
+                  <a:lumMod val="75000"/>
+                </a:schemeClr>
+              </a:solidFill>
+            </a:ln>
+          </p:spPr>
+          <p:style>
+            <a:lnRef idx="2">
+              <a:schemeClr val="accent6"/>
+            </a:lnRef>
+            <a:fillRef idx="1">
+              <a:schemeClr val="lt1"/>
+            </a:fillRef>
+            <a:effectRef idx="0">
+              <a:schemeClr val="accent6"/>
+            </a:effectRef>
+            <a:fontRef idx="minor">
+              <a:schemeClr val="dk1"/>
+            </a:fontRef>
+          </p:style>
+          <p:txBody>
+            <a:bodyPr rtlCol="0" anchor="ctr"/>
+            <a:lstStyle/>
+            <a:p>
+              <a:pPr algn="ctr"/>
+              <a:endParaRPr lang="zh-CN" altLang="en-US"/>
+            </a:p>
+          </p:txBody>
+        </p:sp>
+      </p:grpSp>
+      <p:sp>
+        <p:nvSpPr>
+          <p:cNvPr id="22" name="TextBox 21">
+            <a:extLst>
+              <a:ext uri="{FF2B5EF4-FFF2-40B4-BE49-F238E27FC236}">
+                <a16:creationId xmlns:a16="http://schemas.microsoft.com/office/drawing/2014/main" id="{A1285E14-79E2-E825-6713-51737EF0918F}"/>
+              </a:ext>
+            </a:extLst>
+          </p:cNvPr>
+          <p:cNvSpPr txBox="1"/>
+          <p:nvPr/>
+        </p:nvSpPr>
+        <p:spPr>
+          <a:xfrm>
+            <a:off x="2630607" y="3140146"/>
+            <a:ext cx="1625218" cy="369332"/>
+          </a:xfrm>
+          <a:prstGeom prst="rect">
+            <a:avLst/>
+          </a:prstGeom>
+          <a:noFill/>
+        </p:spPr>
+        <p:txBody>
+          <a:bodyPr wrap="square">
+            <a:spAutoFit/>
+          </a:bodyPr>
+          <a:lstStyle/>
+          <a:p>
+            <a:r>
+              <a:rPr lang="en-US" altLang="zh-CN" sz="1800" dirty="0">
+                <a:solidFill>
+                  <a:schemeClr val="tx1"/>
+                </a:solidFill>
+              </a:rPr>
+              <a:t>resource nodes</a:t>
+            </a:r>
+            <a:endParaRPr lang="zh-CN" altLang="en-US" dirty="0"/>
+          </a:p>
+        </p:txBody>
+      </p:sp>
+      <p:grpSp>
+        <p:nvGrpSpPr>
+          <p:cNvPr id="23" name="Group 22">
+            <a:extLst>
+              <a:ext uri="{FF2B5EF4-FFF2-40B4-BE49-F238E27FC236}">
+                <a16:creationId xmlns:a16="http://schemas.microsoft.com/office/drawing/2014/main" id="{2EF4A240-0C2D-20FA-879F-C1D2A6D67005}"/>
+              </a:ext>
+            </a:extLst>
+          </p:cNvPr>
+          <p:cNvGrpSpPr/>
+          <p:nvPr/>
+        </p:nvGrpSpPr>
+        <p:grpSpPr>
+          <a:xfrm>
+            <a:off x="4255825" y="3962104"/>
+            <a:ext cx="5254390" cy="370840"/>
+            <a:chOff x="1633182" y="4212609"/>
+            <a:chExt cx="5254390" cy="370840"/>
+          </a:xfrm>
+        </p:grpSpPr>
+        <p:sp>
+          <p:nvSpPr>
+            <p:cNvPr id="24" name="Rectangle 23">
+              <a:extLst>
+                <a:ext uri="{FF2B5EF4-FFF2-40B4-BE49-F238E27FC236}">
+                  <a16:creationId xmlns:a16="http://schemas.microsoft.com/office/drawing/2014/main" id="{53B2500F-7B17-1743-9355-884A07CE328A}"/>
+                </a:ext>
+              </a:extLst>
+            </p:cNvPr>
+            <p:cNvSpPr/>
+            <p:nvPr/>
+          </p:nvSpPr>
+          <p:spPr>
+            <a:xfrm>
+              <a:off x="1633182" y="4212609"/>
+              <a:ext cx="1050878" cy="370840"/>
+            </a:xfrm>
+            <a:prstGeom prst="rect">
+              <a:avLst/>
+            </a:prstGeom>
+            <a:noFill/>
+            <a:ln>
+              <a:solidFill>
+                <a:schemeClr val="accent3">
+                  <a:lumMod val="75000"/>
+                </a:schemeClr>
+              </a:solidFill>
+            </a:ln>
+          </p:spPr>
+          <p:style>
+            <a:lnRef idx="2">
+              <a:schemeClr val="accent6"/>
+            </a:lnRef>
+            <a:fillRef idx="1">
+              <a:schemeClr val="lt1"/>
+            </a:fillRef>
+            <a:effectRef idx="0">
+              <a:schemeClr val="accent6"/>
+            </a:effectRef>
+            <a:fontRef idx="minor">
+              <a:schemeClr val="dk1"/>
+            </a:fontRef>
+          </p:style>
+          <p:txBody>
+            <a:bodyPr rtlCol="0" anchor="ctr"/>
+            <a:lstStyle/>
+            <a:p>
+              <a:pPr algn="ctr"/>
+              <a:endParaRPr lang="zh-CN" altLang="en-US"/>
+            </a:p>
+          </p:txBody>
+        </p:sp>
+        <p:sp>
+          <p:nvSpPr>
+            <p:cNvPr id="25" name="Rectangle 24">
+              <a:extLst>
+                <a:ext uri="{FF2B5EF4-FFF2-40B4-BE49-F238E27FC236}">
+                  <a16:creationId xmlns:a16="http://schemas.microsoft.com/office/drawing/2014/main" id="{75D547A2-E04B-E0A1-0C3A-3FF3DF061F16}"/>
+                </a:ext>
+              </a:extLst>
+            </p:cNvPr>
+            <p:cNvSpPr/>
+            <p:nvPr/>
+          </p:nvSpPr>
+          <p:spPr>
+            <a:xfrm>
+              <a:off x="2684060" y="4212609"/>
+              <a:ext cx="1050878" cy="370840"/>
+            </a:xfrm>
+            <a:prstGeom prst="rect">
+              <a:avLst/>
+            </a:prstGeom>
+            <a:noFill/>
+            <a:ln>
+              <a:solidFill>
+                <a:schemeClr val="accent3">
+                  <a:lumMod val="75000"/>
+                </a:schemeClr>
+              </a:solidFill>
+            </a:ln>
+          </p:spPr>
+          <p:style>
+            <a:lnRef idx="2">
+              <a:schemeClr val="accent6"/>
+            </a:lnRef>
+            <a:fillRef idx="1">
+              <a:schemeClr val="lt1"/>
+            </a:fillRef>
+            <a:effectRef idx="0">
+              <a:schemeClr val="accent6"/>
+            </a:effectRef>
+            <a:fontRef idx="minor">
+              <a:schemeClr val="dk1"/>
+            </a:fontRef>
+          </p:style>
+          <p:txBody>
+            <a:bodyPr rtlCol="0" anchor="ctr"/>
+            <a:lstStyle/>
+            <a:p>
+              <a:pPr algn="ctr"/>
+              <a:endParaRPr lang="zh-CN" altLang="en-US"/>
+            </a:p>
+          </p:txBody>
+        </p:sp>
+        <p:sp>
+          <p:nvSpPr>
+            <p:cNvPr id="26" name="Rectangle 25">
+              <a:extLst>
+                <a:ext uri="{FF2B5EF4-FFF2-40B4-BE49-F238E27FC236}">
+                  <a16:creationId xmlns:a16="http://schemas.microsoft.com/office/drawing/2014/main" id="{C41E09F7-9E3E-4C83-1079-E33DE303FEAE}"/>
+                </a:ext>
+              </a:extLst>
+            </p:cNvPr>
+            <p:cNvSpPr/>
+            <p:nvPr/>
+          </p:nvSpPr>
+          <p:spPr>
+            <a:xfrm>
+              <a:off x="3734938" y="4212609"/>
+              <a:ext cx="1050878" cy="370840"/>
+            </a:xfrm>
+            <a:prstGeom prst="rect">
+              <a:avLst/>
+            </a:prstGeom>
+            <a:noFill/>
+            <a:ln>
+              <a:solidFill>
+                <a:schemeClr val="accent3">
+                  <a:lumMod val="75000"/>
+                </a:schemeClr>
+              </a:solidFill>
+            </a:ln>
+          </p:spPr>
+          <p:style>
+            <a:lnRef idx="2">
+              <a:schemeClr val="accent6"/>
+            </a:lnRef>
+            <a:fillRef idx="1">
+              <a:schemeClr val="lt1"/>
+            </a:fillRef>
+            <a:effectRef idx="0">
+              <a:schemeClr val="accent6"/>
+            </a:effectRef>
+            <a:fontRef idx="minor">
+              <a:schemeClr val="dk1"/>
+            </a:fontRef>
+          </p:style>
+          <p:txBody>
+            <a:bodyPr rtlCol="0" anchor="ctr"/>
+            <a:lstStyle/>
+            <a:p>
+              <a:pPr algn="ctr"/>
+              <a:endParaRPr lang="zh-CN" altLang="en-US"/>
+            </a:p>
+          </p:txBody>
+        </p:sp>
+        <p:sp>
+          <p:nvSpPr>
+            <p:cNvPr id="27" name="Rectangle 26">
+              <a:extLst>
+                <a:ext uri="{FF2B5EF4-FFF2-40B4-BE49-F238E27FC236}">
+                  <a16:creationId xmlns:a16="http://schemas.microsoft.com/office/drawing/2014/main" id="{0061218D-F9C9-8164-5666-F988E4F26397}"/>
+                </a:ext>
+              </a:extLst>
+            </p:cNvPr>
+            <p:cNvSpPr/>
+            <p:nvPr/>
+          </p:nvSpPr>
+          <p:spPr>
+            <a:xfrm>
+              <a:off x="4785816" y="4212609"/>
+              <a:ext cx="1050878" cy="370840"/>
+            </a:xfrm>
+            <a:prstGeom prst="rect">
+              <a:avLst/>
+            </a:prstGeom>
+            <a:noFill/>
+            <a:ln>
+              <a:solidFill>
+                <a:schemeClr val="accent3">
+                  <a:lumMod val="75000"/>
+                </a:schemeClr>
+              </a:solidFill>
+            </a:ln>
+          </p:spPr>
+          <p:style>
+            <a:lnRef idx="2">
+              <a:schemeClr val="accent6"/>
+            </a:lnRef>
+            <a:fillRef idx="1">
+              <a:schemeClr val="lt1"/>
+            </a:fillRef>
+            <a:effectRef idx="0">
+              <a:schemeClr val="accent6"/>
+            </a:effectRef>
+            <a:fontRef idx="minor">
+              <a:schemeClr val="dk1"/>
+            </a:fontRef>
+          </p:style>
+          <p:txBody>
+            <a:bodyPr rtlCol="0" anchor="ctr"/>
+            <a:lstStyle/>
+            <a:p>
+              <a:pPr algn="ctr"/>
+              <a:endParaRPr lang="zh-CN" altLang="en-US"/>
+            </a:p>
+          </p:txBody>
+        </p:sp>
+        <p:sp>
+          <p:nvSpPr>
+            <p:cNvPr id="28" name="Rectangle 27">
+              <a:extLst>
+                <a:ext uri="{FF2B5EF4-FFF2-40B4-BE49-F238E27FC236}">
+                  <a16:creationId xmlns:a16="http://schemas.microsoft.com/office/drawing/2014/main" id="{09405504-8592-A06D-F4B7-1ACC85BDB699}"/>
+                </a:ext>
+              </a:extLst>
+            </p:cNvPr>
+            <p:cNvSpPr/>
+            <p:nvPr/>
+          </p:nvSpPr>
+          <p:spPr>
+            <a:xfrm>
+              <a:off x="5836694" y="4212609"/>
+              <a:ext cx="1050878" cy="370840"/>
+            </a:xfrm>
+            <a:prstGeom prst="rect">
+              <a:avLst/>
+            </a:prstGeom>
+            <a:noFill/>
+            <a:ln>
+              <a:solidFill>
+                <a:schemeClr val="accent3">
+                  <a:lumMod val="75000"/>
+                </a:schemeClr>
+              </a:solidFill>
+            </a:ln>
+          </p:spPr>
+          <p:style>
+            <a:lnRef idx="2">
+              <a:schemeClr val="accent6"/>
+            </a:lnRef>
+            <a:fillRef idx="1">
+              <a:schemeClr val="lt1"/>
+            </a:fillRef>
+            <a:effectRef idx="0">
+              <a:schemeClr val="accent6"/>
+            </a:effectRef>
+            <a:fontRef idx="minor">
+              <a:schemeClr val="dk1"/>
+            </a:fontRef>
+          </p:style>
+          <p:txBody>
+            <a:bodyPr rtlCol="0" anchor="ctr"/>
+            <a:lstStyle/>
+            <a:p>
+              <a:pPr algn="ctr"/>
+              <a:endParaRPr lang="zh-CN" altLang="en-US"/>
+            </a:p>
+          </p:txBody>
+        </p:sp>
+      </p:grpSp>
+      <p:sp>
+        <p:nvSpPr>
+          <p:cNvPr id="29" name="TextBox 28">
+            <a:extLst>
+              <a:ext uri="{FF2B5EF4-FFF2-40B4-BE49-F238E27FC236}">
+                <a16:creationId xmlns:a16="http://schemas.microsoft.com/office/drawing/2014/main" id="{BC8CCF34-BBBF-608B-C312-F47696085E35}"/>
+              </a:ext>
+            </a:extLst>
+          </p:cNvPr>
+          <p:cNvSpPr txBox="1"/>
+          <p:nvPr/>
+        </p:nvSpPr>
+        <p:spPr>
+          <a:xfrm>
+            <a:off x="2630607" y="3962104"/>
+            <a:ext cx="1304497" cy="369332"/>
+          </a:xfrm>
+          <a:prstGeom prst="rect">
+            <a:avLst/>
+          </a:prstGeom>
+          <a:noFill/>
+        </p:spPr>
+        <p:txBody>
+          <a:bodyPr wrap="square">
+            <a:spAutoFit/>
+          </a:bodyPr>
+          <a:lstStyle/>
+          <a:p>
+            <a:r>
+              <a:rPr lang="en-US" altLang="zh-CN" sz="1800" dirty="0">
+                <a:solidFill>
+                  <a:schemeClr val="tx1"/>
+                </a:solidFill>
+              </a:rPr>
+              <a:t>resources</a:t>
+            </a:r>
+            <a:endParaRPr lang="zh-CN" altLang="en-US" dirty="0"/>
+          </a:p>
+        </p:txBody>
+      </p:sp>
+      <p:sp>
+        <p:nvSpPr>
+          <p:cNvPr id="30" name="TextBox 29">
+            <a:extLst>
+              <a:ext uri="{FF2B5EF4-FFF2-40B4-BE49-F238E27FC236}">
+                <a16:creationId xmlns:a16="http://schemas.microsoft.com/office/drawing/2014/main" id="{46D764B7-69F3-D4ED-A977-678CA8BA0DBC}"/>
+              </a:ext>
+            </a:extLst>
+          </p:cNvPr>
+          <p:cNvSpPr txBox="1"/>
+          <p:nvPr/>
+        </p:nvSpPr>
+        <p:spPr>
+          <a:xfrm>
+            <a:off x="2630607" y="4533035"/>
+            <a:ext cx="1495566" cy="369332"/>
+          </a:xfrm>
+          <a:prstGeom prst="rect">
+            <a:avLst/>
+          </a:prstGeom>
+          <a:noFill/>
+        </p:spPr>
+        <p:txBody>
+          <a:bodyPr wrap="square">
+            <a:spAutoFit/>
+          </a:bodyPr>
+          <a:lstStyle/>
+          <a:p>
+            <a:r>
+              <a:rPr lang="en-US" altLang="zh-CN" dirty="0"/>
+              <a:t>r</a:t>
+            </a:r>
+            <a:r>
+              <a:rPr lang="en-US" altLang="zh-CN" sz="1800" dirty="0">
+                <a:solidFill>
+                  <a:schemeClr val="tx1"/>
+                </a:solidFill>
+              </a:rPr>
+              <a:t>esource slots</a:t>
+            </a:r>
+            <a:endParaRPr lang="zh-CN" altLang="en-US" dirty="0"/>
+          </a:p>
+        </p:txBody>
+      </p:sp>
+      <p:grpSp>
+        <p:nvGrpSpPr>
+          <p:cNvPr id="31" name="Group 30">
+            <a:extLst>
+              <a:ext uri="{FF2B5EF4-FFF2-40B4-BE49-F238E27FC236}">
+                <a16:creationId xmlns:a16="http://schemas.microsoft.com/office/drawing/2014/main" id="{F2DD86EC-C336-9AFB-B226-E59A5997D619}"/>
+              </a:ext>
+            </a:extLst>
+          </p:cNvPr>
+          <p:cNvGrpSpPr/>
+          <p:nvPr/>
+        </p:nvGrpSpPr>
+        <p:grpSpPr>
+          <a:xfrm>
+            <a:off x="4255825" y="4593275"/>
+            <a:ext cx="5254390" cy="370840"/>
+            <a:chOff x="1633182" y="4212609"/>
+            <a:chExt cx="5254390" cy="370840"/>
+          </a:xfrm>
+        </p:grpSpPr>
+        <p:sp>
+          <p:nvSpPr>
+            <p:cNvPr id="32" name="Rectangle 31">
+              <a:extLst>
+                <a:ext uri="{FF2B5EF4-FFF2-40B4-BE49-F238E27FC236}">
+                  <a16:creationId xmlns:a16="http://schemas.microsoft.com/office/drawing/2014/main" id="{5E540145-365E-E332-BFDA-0C53FCF39FCD}"/>
+                </a:ext>
+              </a:extLst>
+            </p:cNvPr>
+            <p:cNvSpPr/>
+            <p:nvPr/>
+          </p:nvSpPr>
+          <p:spPr>
+            <a:xfrm>
+              <a:off x="1633182" y="4212609"/>
+              <a:ext cx="1050878" cy="370840"/>
+            </a:xfrm>
+            <a:prstGeom prst="rect">
+              <a:avLst/>
+            </a:prstGeom>
+            <a:noFill/>
+            <a:ln>
+              <a:solidFill>
+                <a:schemeClr val="accent3">
+                  <a:lumMod val="75000"/>
+                </a:schemeClr>
+              </a:solidFill>
+            </a:ln>
+          </p:spPr>
+          <p:style>
+            <a:lnRef idx="2">
+              <a:schemeClr val="accent6"/>
+            </a:lnRef>
+            <a:fillRef idx="1">
+              <a:schemeClr val="lt1"/>
+            </a:fillRef>
+            <a:effectRef idx="0">
+              <a:schemeClr val="accent6"/>
+            </a:effectRef>
+            <a:fontRef idx="minor">
+              <a:schemeClr val="dk1"/>
+            </a:fontRef>
+          </p:style>
+          <p:txBody>
+            <a:bodyPr rtlCol="0" anchor="ctr"/>
+            <a:lstStyle/>
+            <a:p>
+              <a:pPr algn="ctr"/>
+              <a:endParaRPr lang="zh-CN" altLang="en-US"/>
+            </a:p>
+          </p:txBody>
+        </p:sp>
+        <p:sp>
+          <p:nvSpPr>
+            <p:cNvPr id="33" name="Rectangle 32">
+              <a:extLst>
+                <a:ext uri="{FF2B5EF4-FFF2-40B4-BE49-F238E27FC236}">
+                  <a16:creationId xmlns:a16="http://schemas.microsoft.com/office/drawing/2014/main" id="{9B748CFD-DBF7-484A-7CE6-DE2ECDB0D9C9}"/>
+                </a:ext>
+              </a:extLst>
+            </p:cNvPr>
+            <p:cNvSpPr/>
+            <p:nvPr/>
+          </p:nvSpPr>
+          <p:spPr>
+            <a:xfrm>
+              <a:off x="2684060" y="4212609"/>
+              <a:ext cx="1050878" cy="370840"/>
+            </a:xfrm>
+            <a:prstGeom prst="rect">
+              <a:avLst/>
+            </a:prstGeom>
+            <a:noFill/>
+            <a:ln>
+              <a:solidFill>
+                <a:schemeClr val="accent3">
+                  <a:lumMod val="75000"/>
+                </a:schemeClr>
+              </a:solidFill>
+            </a:ln>
+          </p:spPr>
+          <p:style>
+            <a:lnRef idx="2">
+              <a:schemeClr val="accent6"/>
+            </a:lnRef>
+            <a:fillRef idx="1">
+              <a:schemeClr val="lt1"/>
+            </a:fillRef>
+            <a:effectRef idx="0">
+              <a:schemeClr val="accent6"/>
+            </a:effectRef>
+            <a:fontRef idx="minor">
+              <a:schemeClr val="dk1"/>
+            </a:fontRef>
+          </p:style>
+          <p:txBody>
+            <a:bodyPr rtlCol="0" anchor="ctr"/>
+            <a:lstStyle/>
+            <a:p>
+              <a:pPr algn="ctr"/>
+              <a:endParaRPr lang="zh-CN" altLang="en-US"/>
+            </a:p>
+          </p:txBody>
+        </p:sp>
+        <p:sp>
+          <p:nvSpPr>
+            <p:cNvPr id="34" name="Rectangle 33">
+              <a:extLst>
+                <a:ext uri="{FF2B5EF4-FFF2-40B4-BE49-F238E27FC236}">
+                  <a16:creationId xmlns:a16="http://schemas.microsoft.com/office/drawing/2014/main" id="{D494F48F-7B02-1DF9-0AF8-D8F745EB9B7A}"/>
+                </a:ext>
+              </a:extLst>
+            </p:cNvPr>
+            <p:cNvSpPr/>
+            <p:nvPr/>
+          </p:nvSpPr>
+          <p:spPr>
+            <a:xfrm>
+              <a:off x="3734938" y="4212609"/>
+              <a:ext cx="1050878" cy="370840"/>
+            </a:xfrm>
+            <a:prstGeom prst="rect">
+              <a:avLst/>
+            </a:prstGeom>
+            <a:noFill/>
+            <a:ln>
+              <a:solidFill>
+                <a:schemeClr val="accent3">
+                  <a:lumMod val="75000"/>
+                </a:schemeClr>
+              </a:solidFill>
+            </a:ln>
+          </p:spPr>
+          <p:style>
+            <a:lnRef idx="2">
+              <a:schemeClr val="accent6"/>
+            </a:lnRef>
+            <a:fillRef idx="1">
+              <a:schemeClr val="lt1"/>
+            </a:fillRef>
+            <a:effectRef idx="0">
+              <a:schemeClr val="accent6"/>
+            </a:effectRef>
+            <a:fontRef idx="minor">
+              <a:schemeClr val="dk1"/>
+            </a:fontRef>
+          </p:style>
+          <p:txBody>
+            <a:bodyPr rtlCol="0" anchor="ctr"/>
+            <a:lstStyle/>
+            <a:p>
+              <a:pPr algn="ctr"/>
+              <a:endParaRPr lang="zh-CN" altLang="en-US"/>
+            </a:p>
+          </p:txBody>
+        </p:sp>
+        <p:sp>
+          <p:nvSpPr>
+            <p:cNvPr id="35" name="Rectangle 34">
+              <a:extLst>
+                <a:ext uri="{FF2B5EF4-FFF2-40B4-BE49-F238E27FC236}">
+                  <a16:creationId xmlns:a16="http://schemas.microsoft.com/office/drawing/2014/main" id="{FC53777F-320C-63F3-FF13-BD6F61CD510D}"/>
+                </a:ext>
+              </a:extLst>
+            </p:cNvPr>
+            <p:cNvSpPr/>
+            <p:nvPr/>
+          </p:nvSpPr>
+          <p:spPr>
+            <a:xfrm>
+              <a:off x="4785816" y="4212609"/>
+              <a:ext cx="1050878" cy="370840"/>
+            </a:xfrm>
+            <a:prstGeom prst="rect">
+              <a:avLst/>
+            </a:prstGeom>
+            <a:noFill/>
+            <a:ln>
+              <a:solidFill>
+                <a:schemeClr val="accent3">
+                  <a:lumMod val="75000"/>
+                </a:schemeClr>
+              </a:solidFill>
+            </a:ln>
+          </p:spPr>
+          <p:style>
+            <a:lnRef idx="2">
+              <a:schemeClr val="accent6"/>
+            </a:lnRef>
+            <a:fillRef idx="1">
+              <a:schemeClr val="lt1"/>
+            </a:fillRef>
+            <a:effectRef idx="0">
+              <a:schemeClr val="accent6"/>
+            </a:effectRef>
+            <a:fontRef idx="minor">
+              <a:schemeClr val="dk1"/>
+            </a:fontRef>
+          </p:style>
+          <p:txBody>
+            <a:bodyPr rtlCol="0" anchor="ctr"/>
+            <a:lstStyle/>
+            <a:p>
+              <a:pPr algn="ctr"/>
+              <a:endParaRPr lang="zh-CN" altLang="en-US"/>
+            </a:p>
+          </p:txBody>
+        </p:sp>
+        <p:sp>
+          <p:nvSpPr>
+            <p:cNvPr id="36" name="Rectangle 35">
+              <a:extLst>
+                <a:ext uri="{FF2B5EF4-FFF2-40B4-BE49-F238E27FC236}">
+                  <a16:creationId xmlns:a16="http://schemas.microsoft.com/office/drawing/2014/main" id="{85D01C5A-5A63-1D0E-C722-DC923D3EA617}"/>
+                </a:ext>
+              </a:extLst>
+            </p:cNvPr>
+            <p:cNvSpPr/>
+            <p:nvPr/>
+          </p:nvSpPr>
+          <p:spPr>
+            <a:xfrm>
+              <a:off x="5836694" y="4212609"/>
+              <a:ext cx="1050878" cy="370840"/>
+            </a:xfrm>
+            <a:prstGeom prst="rect">
+              <a:avLst/>
+            </a:prstGeom>
+            <a:noFill/>
+            <a:ln>
+              <a:solidFill>
+                <a:schemeClr val="accent3">
+                  <a:lumMod val="75000"/>
+                </a:schemeClr>
+              </a:solidFill>
+            </a:ln>
+          </p:spPr>
+          <p:style>
+            <a:lnRef idx="2">
+              <a:schemeClr val="accent6"/>
+            </a:lnRef>
+            <a:fillRef idx="1">
+              <a:schemeClr val="lt1"/>
+            </a:fillRef>
+            <a:effectRef idx="0">
+              <a:schemeClr val="accent6"/>
+            </a:effectRef>
+            <a:fontRef idx="minor">
+              <a:schemeClr val="dk1"/>
+            </a:fontRef>
+          </p:style>
+          <p:txBody>
+            <a:bodyPr rtlCol="0" anchor="ctr"/>
+            <a:lstStyle/>
+            <a:p>
+              <a:pPr algn="ctr"/>
+              <a:endParaRPr lang="zh-CN" altLang="en-US"/>
+            </a:p>
+          </p:txBody>
+        </p:sp>
+      </p:grpSp>
+      <p:sp>
+        <p:nvSpPr>
+          <p:cNvPr id="37" name="TextBox 36">
+            <a:extLst>
+              <a:ext uri="{FF2B5EF4-FFF2-40B4-BE49-F238E27FC236}">
+                <a16:creationId xmlns:a16="http://schemas.microsoft.com/office/drawing/2014/main" id="{3AADBB1A-CC5C-D0D7-C8C7-96F4A86A5153}"/>
+              </a:ext>
+            </a:extLst>
+          </p:cNvPr>
+          <p:cNvSpPr txBox="1"/>
+          <p:nvPr/>
+        </p:nvSpPr>
+        <p:spPr>
+          <a:xfrm>
+            <a:off x="2397458" y="5204050"/>
+            <a:ext cx="1716774" cy="369332"/>
+          </a:xfrm>
+          <a:prstGeom prst="rect">
+            <a:avLst/>
+          </a:prstGeom>
+          <a:noFill/>
+        </p:spPr>
+        <p:txBody>
+          <a:bodyPr wrap="square">
+            <a:spAutoFit/>
+          </a:bodyPr>
+          <a:lstStyle/>
+          <a:p>
+            <a:r>
+              <a:rPr lang="en-US" altLang="zh-CN" dirty="0"/>
+              <a:t>resource cache</a:t>
+            </a:r>
+            <a:endParaRPr lang="zh-CN" altLang="en-US" dirty="0"/>
+          </a:p>
+        </p:txBody>
+      </p:sp>
+      <p:sp>
+        <p:nvSpPr>
+          <p:cNvPr id="38" name="Oval 37">
+            <a:extLst>
+              <a:ext uri="{FF2B5EF4-FFF2-40B4-BE49-F238E27FC236}">
+                <a16:creationId xmlns:a16="http://schemas.microsoft.com/office/drawing/2014/main" id="{EB761EFF-B7F7-B6F8-0386-260D8BF7E760}"/>
+              </a:ext>
+            </a:extLst>
+          </p:cNvPr>
+          <p:cNvSpPr/>
+          <p:nvPr/>
+        </p:nvSpPr>
+        <p:spPr>
+          <a:xfrm>
+            <a:off x="4126173" y="5092197"/>
+            <a:ext cx="1860644" cy="481185"/>
+          </a:xfrm>
+          <a:prstGeom prst="ellipse">
+            <a:avLst/>
+          </a:prstGeom>
+          <a:noFill/>
+          <a:ln>
+            <a:solidFill>
+              <a:schemeClr val="accent3">
+                <a:lumMod val="75000"/>
+              </a:schemeClr>
+            </a:solidFill>
+          </a:ln>
+        </p:spPr>
+        <p:style>
+          <a:lnRef idx="2">
+            <a:schemeClr val="accent6"/>
+          </a:lnRef>
+          <a:fillRef idx="1">
+            <a:schemeClr val="lt1"/>
+          </a:fillRef>
+          <a:effectRef idx="0">
+            <a:schemeClr val="accent6"/>
+          </a:effectRef>
+          <a:fontRef idx="minor">
+            <a:schemeClr val="dk1"/>
+          </a:fontRef>
+        </p:style>
+        <p:txBody>
+          <a:bodyPr rtlCol="0" anchor="ctr"/>
+          <a:lstStyle/>
+          <a:p>
+            <a:pPr algn="ctr"/>
+            <a:r>
+              <a:rPr lang="en-US" altLang="zh-CN" sz="1600" dirty="0">
+                <a:solidFill>
+                  <a:schemeClr val="tx1"/>
+                </a:solidFill>
+              </a:rPr>
+              <a:t>allocator</a:t>
+            </a:r>
+            <a:endParaRPr lang="zh-CN" altLang="en-US" sz="1600" dirty="0">
+              <a:solidFill>
+                <a:schemeClr val="tx1"/>
+              </a:solidFill>
+            </a:endParaRPr>
+          </a:p>
+        </p:txBody>
+      </p:sp>
+      <p:sp>
+        <p:nvSpPr>
+          <p:cNvPr id="39" name="Oval 38">
+            <a:extLst>
+              <a:ext uri="{FF2B5EF4-FFF2-40B4-BE49-F238E27FC236}">
+                <a16:creationId xmlns:a16="http://schemas.microsoft.com/office/drawing/2014/main" id="{3B835FF7-A5F9-3508-0418-BB00BE619BBB}"/>
+              </a:ext>
+            </a:extLst>
+          </p:cNvPr>
+          <p:cNvSpPr/>
+          <p:nvPr/>
+        </p:nvSpPr>
+        <p:spPr>
+          <a:xfrm>
+            <a:off x="4114232" y="5629406"/>
+            <a:ext cx="1860644" cy="448398"/>
+          </a:xfrm>
+          <a:prstGeom prst="ellipse">
+            <a:avLst/>
+          </a:prstGeom>
+          <a:noFill/>
+          <a:ln>
+            <a:solidFill>
+              <a:schemeClr val="accent3">
+                <a:lumMod val="75000"/>
+              </a:schemeClr>
+            </a:solidFill>
+          </a:ln>
+        </p:spPr>
+        <p:style>
+          <a:lnRef idx="2">
+            <a:schemeClr val="accent6"/>
+          </a:lnRef>
+          <a:fillRef idx="1">
+            <a:schemeClr val="lt1"/>
+          </a:fillRef>
+          <a:effectRef idx="0">
+            <a:schemeClr val="accent6"/>
+          </a:effectRef>
+          <a:fontRef idx="minor">
+            <a:schemeClr val="dk1"/>
+          </a:fontRef>
+        </p:style>
+        <p:txBody>
+          <a:bodyPr rtlCol="0" anchor="ctr"/>
+          <a:lstStyle/>
+          <a:p>
+            <a:pPr algn="ctr"/>
+            <a:r>
+              <a:rPr lang="en-US" altLang="zh-CN" sz="1600" dirty="0">
+                <a:solidFill>
+                  <a:schemeClr val="tx1"/>
+                </a:solidFill>
+              </a:rPr>
+              <a:t>blackboard</a:t>
+            </a:r>
+            <a:endParaRPr lang="zh-CN" altLang="en-US" sz="1600" dirty="0">
+              <a:solidFill>
+                <a:schemeClr val="tx1"/>
+              </a:solidFill>
+            </a:endParaRPr>
+          </a:p>
+        </p:txBody>
+      </p:sp>
+      <p:sp>
+        <p:nvSpPr>
+          <p:cNvPr id="40" name="TextBox 39">
+            <a:extLst>
+              <a:ext uri="{FF2B5EF4-FFF2-40B4-BE49-F238E27FC236}">
+                <a16:creationId xmlns:a16="http://schemas.microsoft.com/office/drawing/2014/main" id="{38DB5233-38A9-9FA1-FAE8-37D8105276BC}"/>
+              </a:ext>
+            </a:extLst>
+          </p:cNvPr>
+          <p:cNvSpPr txBox="1"/>
+          <p:nvPr/>
+        </p:nvSpPr>
+        <p:spPr>
+          <a:xfrm>
+            <a:off x="2424468" y="5629657"/>
+            <a:ext cx="1716774" cy="369332"/>
+          </a:xfrm>
+          <a:prstGeom prst="rect">
+            <a:avLst/>
+          </a:prstGeom>
+          <a:noFill/>
+        </p:spPr>
+        <p:txBody>
+          <a:bodyPr wrap="square">
+            <a:spAutoFit/>
+          </a:bodyPr>
+          <a:lstStyle/>
+          <a:p>
+            <a:r>
+              <a:rPr lang="en-US" altLang="zh-CN" dirty="0"/>
+              <a:t>resource </a:t>
+            </a:r>
             <a:r>
               <a:rPr lang="en-US" altLang="zh-CN" dirty="0" err="1"/>
-              <a:t>dag</a:t>
-            </a:r>
+              <a:t>dict</a:t>
+            </a:r>
+            <a:endParaRPr lang="zh-CN" altLang="en-US" dirty="0"/>
+          </a:p>
+        </p:txBody>
+      </p:sp>
+      <p:cxnSp>
+        <p:nvCxnSpPr>
+          <p:cNvPr id="41" name="Straight Arrow Connector 40">
+            <a:extLst>
+              <a:ext uri="{FF2B5EF4-FFF2-40B4-BE49-F238E27FC236}">
+                <a16:creationId xmlns:a16="http://schemas.microsoft.com/office/drawing/2014/main" id="{453769E5-C838-50DB-6C2A-48EABB2ACC11}"/>
+              </a:ext>
+            </a:extLst>
+          </p:cNvPr>
+          <p:cNvCxnSpPr>
+            <a:cxnSpLocks/>
+            <a:stCxn id="6" idx="6"/>
+            <a:endCxn id="8" idx="1"/>
+          </p:cNvCxnSpPr>
+          <p:nvPr/>
+        </p:nvCxnSpPr>
+        <p:spPr>
+          <a:xfrm flipV="1">
+            <a:off x="2092657" y="2737896"/>
+            <a:ext cx="2163168" cy="1196690"/>
+          </a:xfrm>
+          <a:prstGeom prst="straightConnector1">
+            <a:avLst/>
+          </a:prstGeom>
+          <a:ln w="19050">
+            <a:tailEnd type="triangle"/>
+          </a:ln>
+        </p:spPr>
+        <p:style>
+          <a:lnRef idx="1">
+            <a:schemeClr val="accent1"/>
+          </a:lnRef>
+          <a:fillRef idx="0">
+            <a:schemeClr val="accent1"/>
+          </a:fillRef>
+          <a:effectRef idx="0">
+            <a:schemeClr val="accent1"/>
+          </a:effectRef>
+          <a:fontRef idx="minor">
+            <a:schemeClr val="tx1"/>
+          </a:fontRef>
+        </p:style>
+      </p:cxnSp>
+      <p:cxnSp>
+        <p:nvCxnSpPr>
+          <p:cNvPr id="44" name="Straight Arrow Connector 43">
+            <a:extLst>
+              <a:ext uri="{FF2B5EF4-FFF2-40B4-BE49-F238E27FC236}">
+                <a16:creationId xmlns:a16="http://schemas.microsoft.com/office/drawing/2014/main" id="{9B3C4FE5-5028-1C27-692B-7FA7A144B4CC}"/>
+              </a:ext>
+            </a:extLst>
+          </p:cNvPr>
+          <p:cNvCxnSpPr>
+            <a:cxnSpLocks/>
+            <a:stCxn id="6" idx="6"/>
+            <a:endCxn id="22" idx="3"/>
+          </p:cNvCxnSpPr>
+          <p:nvPr/>
+        </p:nvCxnSpPr>
+        <p:spPr>
+          <a:xfrm flipV="1">
+            <a:off x="2092657" y="3324812"/>
+            <a:ext cx="2163168" cy="609774"/>
+          </a:xfrm>
+          <a:prstGeom prst="straightConnector1">
+            <a:avLst/>
+          </a:prstGeom>
+          <a:ln w="19050">
+            <a:tailEnd type="triangle"/>
+          </a:ln>
+        </p:spPr>
+        <p:style>
+          <a:lnRef idx="1">
+            <a:schemeClr val="accent1"/>
+          </a:lnRef>
+          <a:fillRef idx="0">
+            <a:schemeClr val="accent1"/>
+          </a:fillRef>
+          <a:effectRef idx="0">
+            <a:schemeClr val="accent1"/>
+          </a:effectRef>
+          <a:fontRef idx="minor">
+            <a:schemeClr val="tx1"/>
+          </a:fontRef>
+        </p:style>
+      </p:cxnSp>
+      <p:cxnSp>
+        <p:nvCxnSpPr>
+          <p:cNvPr id="47" name="Straight Arrow Connector 46">
+            <a:extLst>
+              <a:ext uri="{FF2B5EF4-FFF2-40B4-BE49-F238E27FC236}">
+                <a16:creationId xmlns:a16="http://schemas.microsoft.com/office/drawing/2014/main" id="{B5A9FC77-4C72-5D91-5B12-20C83A83E125}"/>
+              </a:ext>
+            </a:extLst>
+          </p:cNvPr>
+          <p:cNvCxnSpPr>
+            <a:cxnSpLocks/>
+            <a:stCxn id="6" idx="6"/>
+            <a:endCxn id="24" idx="1"/>
+          </p:cNvCxnSpPr>
+          <p:nvPr/>
+        </p:nvCxnSpPr>
+        <p:spPr>
+          <a:xfrm>
+            <a:off x="2092657" y="3934586"/>
+            <a:ext cx="2163168" cy="212938"/>
+          </a:xfrm>
+          <a:prstGeom prst="straightConnector1">
+            <a:avLst/>
+          </a:prstGeom>
+          <a:ln w="19050">
+            <a:tailEnd type="triangle"/>
+          </a:ln>
+        </p:spPr>
+        <p:style>
+          <a:lnRef idx="1">
+            <a:schemeClr val="accent1"/>
+          </a:lnRef>
+          <a:fillRef idx="0">
+            <a:schemeClr val="accent1"/>
+          </a:fillRef>
+          <a:effectRef idx="0">
+            <a:schemeClr val="accent1"/>
+          </a:effectRef>
+          <a:fontRef idx="minor">
+            <a:schemeClr val="tx1"/>
+          </a:fontRef>
+        </p:style>
+      </p:cxnSp>
+      <p:cxnSp>
+        <p:nvCxnSpPr>
+          <p:cNvPr id="50" name="Straight Arrow Connector 49">
+            <a:extLst>
+              <a:ext uri="{FF2B5EF4-FFF2-40B4-BE49-F238E27FC236}">
+                <a16:creationId xmlns:a16="http://schemas.microsoft.com/office/drawing/2014/main" id="{7C04F7C1-EE57-4660-3D1B-1D531551FACF}"/>
+              </a:ext>
+            </a:extLst>
+          </p:cNvPr>
+          <p:cNvCxnSpPr>
+            <a:cxnSpLocks/>
+            <a:stCxn id="6" idx="6"/>
+            <a:endCxn id="32" idx="1"/>
+          </p:cNvCxnSpPr>
+          <p:nvPr/>
+        </p:nvCxnSpPr>
+        <p:spPr>
+          <a:xfrm>
+            <a:off x="2092657" y="3934586"/>
+            <a:ext cx="2163168" cy="844109"/>
+          </a:xfrm>
+          <a:prstGeom prst="straightConnector1">
+            <a:avLst/>
+          </a:prstGeom>
+          <a:ln w="19050">
+            <a:tailEnd type="triangle"/>
+          </a:ln>
+        </p:spPr>
+        <p:style>
+          <a:lnRef idx="1">
+            <a:schemeClr val="accent1"/>
+          </a:lnRef>
+          <a:fillRef idx="0">
+            <a:schemeClr val="accent1"/>
+          </a:fillRef>
+          <a:effectRef idx="0">
+            <a:schemeClr val="accent1"/>
+          </a:effectRef>
+          <a:fontRef idx="minor">
+            <a:schemeClr val="tx1"/>
+          </a:fontRef>
+        </p:style>
+      </p:cxnSp>
+      <p:cxnSp>
+        <p:nvCxnSpPr>
+          <p:cNvPr id="53" name="Straight Arrow Connector 52">
+            <a:extLst>
+              <a:ext uri="{FF2B5EF4-FFF2-40B4-BE49-F238E27FC236}">
+                <a16:creationId xmlns:a16="http://schemas.microsoft.com/office/drawing/2014/main" id="{F447C022-1EB1-8946-A6C2-8C4BA302A35E}"/>
+              </a:ext>
+            </a:extLst>
+          </p:cNvPr>
+          <p:cNvCxnSpPr>
+            <a:cxnSpLocks/>
+            <a:stCxn id="6" idx="6"/>
+            <a:endCxn id="38" idx="2"/>
+          </p:cNvCxnSpPr>
+          <p:nvPr/>
+        </p:nvCxnSpPr>
+        <p:spPr>
+          <a:xfrm>
+            <a:off x="2092657" y="3934586"/>
+            <a:ext cx="2033516" cy="1398204"/>
+          </a:xfrm>
+          <a:prstGeom prst="straightConnector1">
+            <a:avLst/>
+          </a:prstGeom>
+          <a:ln w="19050">
+            <a:tailEnd type="triangle"/>
+          </a:ln>
+        </p:spPr>
+        <p:style>
+          <a:lnRef idx="1">
+            <a:schemeClr val="accent1"/>
+          </a:lnRef>
+          <a:fillRef idx="0">
+            <a:schemeClr val="accent1"/>
+          </a:fillRef>
+          <a:effectRef idx="0">
+            <a:schemeClr val="accent1"/>
+          </a:effectRef>
+          <a:fontRef idx="minor">
+            <a:schemeClr val="tx1"/>
+          </a:fontRef>
+        </p:style>
+      </p:cxnSp>
+      <p:cxnSp>
+        <p:nvCxnSpPr>
+          <p:cNvPr id="56" name="Straight Arrow Connector 55">
+            <a:extLst>
+              <a:ext uri="{FF2B5EF4-FFF2-40B4-BE49-F238E27FC236}">
+                <a16:creationId xmlns:a16="http://schemas.microsoft.com/office/drawing/2014/main" id="{7E303590-8D75-46EC-127A-1B57FA18E58E}"/>
+              </a:ext>
+            </a:extLst>
+          </p:cNvPr>
+          <p:cNvCxnSpPr>
+            <a:cxnSpLocks/>
+            <a:stCxn id="6" idx="6"/>
+            <a:endCxn id="40" idx="3"/>
+          </p:cNvCxnSpPr>
+          <p:nvPr/>
+        </p:nvCxnSpPr>
+        <p:spPr>
+          <a:xfrm>
+            <a:off x="2092657" y="3934586"/>
+            <a:ext cx="2048585" cy="1879737"/>
+          </a:xfrm>
+          <a:prstGeom prst="straightConnector1">
+            <a:avLst/>
+          </a:prstGeom>
+          <a:ln w="19050">
+            <a:tailEnd type="triangle"/>
+          </a:ln>
+        </p:spPr>
+        <p:style>
+          <a:lnRef idx="1">
+            <a:schemeClr val="accent1"/>
+          </a:lnRef>
+          <a:fillRef idx="0">
+            <a:schemeClr val="accent1"/>
+          </a:fillRef>
+          <a:effectRef idx="0">
+            <a:schemeClr val="accent1"/>
+          </a:effectRef>
+          <a:fontRef idx="minor">
+            <a:schemeClr val="tx1"/>
+          </a:fontRef>
+        </p:style>
+      </p:cxnSp>
+      <p:sp>
+        <p:nvSpPr>
+          <p:cNvPr id="59" name="Right Brace 58">
+            <a:extLst>
+              <a:ext uri="{FF2B5EF4-FFF2-40B4-BE49-F238E27FC236}">
+                <a16:creationId xmlns:a16="http://schemas.microsoft.com/office/drawing/2014/main" id="{4579ED86-65FF-02C5-C994-5FDC99544D1A}"/>
+              </a:ext>
+            </a:extLst>
+          </p:cNvPr>
+          <p:cNvSpPr/>
+          <p:nvPr/>
+        </p:nvSpPr>
+        <p:spPr>
+          <a:xfrm>
+            <a:off x="9621672" y="1973464"/>
+            <a:ext cx="418532" cy="1542889"/>
+          </a:xfrm>
+          <a:prstGeom prst="rightBrace">
+            <a:avLst/>
+          </a:prstGeom>
+          <a:ln w="57150"/>
+        </p:spPr>
+        <p:style>
+          <a:lnRef idx="1">
+            <a:schemeClr val="accent1"/>
+          </a:lnRef>
+          <a:fillRef idx="0">
+            <a:schemeClr val="accent1"/>
+          </a:fillRef>
+          <a:effectRef idx="0">
+            <a:schemeClr val="accent1"/>
+          </a:effectRef>
+          <a:fontRef idx="minor">
+            <a:schemeClr val="tx1"/>
+          </a:fontRef>
+        </p:style>
+        <p:txBody>
+          <a:bodyPr rtlCol="0" anchor="ctr"/>
+          <a:lstStyle/>
+          <a:p>
+            <a:pPr algn="ctr"/>
+            <a:endParaRPr lang="zh-CN" altLang="en-US"/>
+          </a:p>
+        </p:txBody>
+      </p:sp>
+      <p:sp>
+        <p:nvSpPr>
+          <p:cNvPr id="60" name="TextBox 59">
+            <a:extLst>
+              <a:ext uri="{FF2B5EF4-FFF2-40B4-BE49-F238E27FC236}">
+                <a16:creationId xmlns:a16="http://schemas.microsoft.com/office/drawing/2014/main" id="{81E9B644-3BAC-0DE3-5A50-5D839057F72A}"/>
+              </a:ext>
+            </a:extLst>
+          </p:cNvPr>
+          <p:cNvSpPr txBox="1"/>
+          <p:nvPr/>
+        </p:nvSpPr>
+        <p:spPr>
+          <a:xfrm>
+            <a:off x="10131188" y="2552476"/>
+            <a:ext cx="1592240" cy="369332"/>
+          </a:xfrm>
+          <a:prstGeom prst="rect">
+            <a:avLst/>
+          </a:prstGeom>
+          <a:noFill/>
+        </p:spPr>
+        <p:txBody>
+          <a:bodyPr wrap="square">
+            <a:spAutoFit/>
+          </a:bodyPr>
+          <a:lstStyle/>
+          <a:p>
             <a:r>
               <a:rPr lang="en-US" altLang="zh-CN" dirty="0"/>
-              <a:t>: dependency graph</a:t>
-            </a:r>
-          </a:p>
-          <a:p>
-            <a:pPr lvl="1"/>
-            <a:r>
-              <a:rPr lang="en-US" altLang="zh-CN" dirty="0"/>
-              <a:t>pass nodes: array of pass nodes</a:t>
-            </a:r>
-          </a:p>
-          <a:p>
-            <a:pPr lvl="1"/>
-            <a:r>
-              <a:rPr lang="en-US" altLang="zh-CN" dirty="0"/>
-              <a:t>resource nodes: array of resource nodes</a:t>
-            </a:r>
-          </a:p>
+              <a:t>Graph manage</a:t>
+            </a:r>
+            <a:endParaRPr lang="zh-CN" altLang="en-US" dirty="0"/>
+          </a:p>
+        </p:txBody>
+      </p:sp>
+      <p:sp>
+        <p:nvSpPr>
+          <p:cNvPr id="61" name="Right Brace 60">
+            <a:extLst>
+              <a:ext uri="{FF2B5EF4-FFF2-40B4-BE49-F238E27FC236}">
+                <a16:creationId xmlns:a16="http://schemas.microsoft.com/office/drawing/2014/main" id="{B5B0E432-D7FD-C04C-A045-B7C72EF23EFD}"/>
+              </a:ext>
+            </a:extLst>
+          </p:cNvPr>
+          <p:cNvSpPr/>
+          <p:nvPr/>
+        </p:nvSpPr>
+        <p:spPr>
+          <a:xfrm>
+            <a:off x="9621672" y="4041055"/>
+            <a:ext cx="418532" cy="2197932"/>
+          </a:xfrm>
+          <a:prstGeom prst="rightBrace">
+            <a:avLst/>
+          </a:prstGeom>
+          <a:ln w="57150"/>
+        </p:spPr>
+        <p:style>
+          <a:lnRef idx="1">
+            <a:schemeClr val="accent1"/>
+          </a:lnRef>
+          <a:fillRef idx="0">
+            <a:schemeClr val="accent1"/>
+          </a:fillRef>
+          <a:effectRef idx="0">
+            <a:schemeClr val="accent1"/>
+          </a:effectRef>
+          <a:fontRef idx="minor">
+            <a:schemeClr val="tx1"/>
+          </a:fontRef>
+        </p:style>
+        <p:txBody>
+          <a:bodyPr rtlCol="0" anchor="ctr"/>
+          <a:lstStyle/>
+          <a:p>
+            <a:pPr algn="ctr"/>
+            <a:endParaRPr lang="zh-CN" altLang="en-US"/>
+          </a:p>
+        </p:txBody>
+      </p:sp>
+      <p:sp>
+        <p:nvSpPr>
+          <p:cNvPr id="62" name="TextBox 61">
+            <a:extLst>
+              <a:ext uri="{FF2B5EF4-FFF2-40B4-BE49-F238E27FC236}">
+                <a16:creationId xmlns:a16="http://schemas.microsoft.com/office/drawing/2014/main" id="{C733D0D0-8F54-28DC-77D2-A278082AFEFC}"/>
+              </a:ext>
+            </a:extLst>
+          </p:cNvPr>
+          <p:cNvSpPr txBox="1"/>
+          <p:nvPr/>
+        </p:nvSpPr>
+        <p:spPr>
+          <a:xfrm>
+            <a:off x="10099342" y="4902367"/>
+            <a:ext cx="1815153" cy="369332"/>
+          </a:xfrm>
+          <a:prstGeom prst="rect">
+            <a:avLst/>
+          </a:prstGeom>
+          <a:noFill/>
+        </p:spPr>
+        <p:txBody>
+          <a:bodyPr wrap="square">
+            <a:spAutoFit/>
+          </a:bodyPr>
+          <a:lstStyle/>
           <a:p>
             <a:r>
               <a:rPr lang="en-US" altLang="zh-CN" dirty="0"/>
               <a:t>resource manage</a:t>
             </a:r>
-          </a:p>
-          <a:p>
-            <a:pPr lvl="1"/>
-            <a:r>
-              <a:rPr lang="en-US" altLang="zh-CN" dirty="0"/>
-              <a:t>resources:  array of resource, for resource manage</a:t>
-            </a:r>
-          </a:p>
-          <a:p>
-            <a:pPr lvl="1"/>
-            <a:r>
-              <a:rPr lang="en-US" altLang="zh-CN" dirty="0"/>
-              <a:t>resource slots:  contain {node index, resource index} pair</a:t>
-            </a:r>
-          </a:p>
-          <a:p>
-            <a:pPr lvl="1"/>
-            <a:r>
-              <a:rPr lang="en-US" altLang="zh-CN" dirty="0"/>
-              <a:t>allocator: resource cache</a:t>
-            </a:r>
-          </a:p>
-          <a:p>
-            <a:pPr lvl="1"/>
-            <a:r>
-              <a:rPr lang="en-US" altLang="zh-CN" dirty="0"/>
-              <a:t>blackboard: resource </a:t>
-            </a:r>
-            <a:r>
-              <a:rPr lang="en-US" altLang="zh-CN" dirty="0" err="1"/>
-              <a:t>dict</a:t>
-            </a:r>
-            <a:endParaRPr lang="en-US" altLang="zh-CN" dirty="0"/>
+            <a:endParaRPr lang="zh-CN" altLang="en-US" dirty="0"/>
           </a:p>
         </p:txBody>
       </p:sp>
     </p:spTree>
     <p:extLst>
       <p:ext uri="{BB962C8B-B14F-4D97-AF65-F5344CB8AC3E}">
-        <p14:creationId xmlns:p14="http://schemas.microsoft.com/office/powerpoint/2010/main" val="762898677"/>
+        <p14:creationId xmlns:p14="http://schemas.microsoft.com/office/powerpoint/2010/main" val="2821829171"/>
       </p:ext>
     </p:extLst>
   </p:cSld>
@@ -6010,7 +7969,7 @@
           <p:cNvPr id="2" name="Title 1">
             <a:extLst>
               <a:ext uri="{FF2B5EF4-FFF2-40B4-BE49-F238E27FC236}">
-                <a16:creationId xmlns:a16="http://schemas.microsoft.com/office/drawing/2014/main" id="{0D2AA12D-6297-0CFC-F2CD-2524133E6D2F}"/>
+                <a16:creationId xmlns:a16="http://schemas.microsoft.com/office/drawing/2014/main" id="{68D1BFFB-528F-8196-24EC-235A16E92659}"/>
               </a:ext>
             </a:extLst>
           </p:cNvPr>
@@ -6032,7 +7991,7 @@
             </a:r>
             <a:r>
               <a:rPr lang="en-US" altLang="zh-CN" dirty="0"/>
-              <a:t>::Builder</a:t>
+              <a:t>: data structure</a:t>
             </a:r>
             <a:endParaRPr lang="zh-CN" altLang="en-US" dirty="0"/>
           </a:p>
@@ -6043,7 +8002,7 @@
           <p:cNvPr id="3" name="Content Placeholder 2">
             <a:extLst>
               <a:ext uri="{FF2B5EF4-FFF2-40B4-BE49-F238E27FC236}">
-                <a16:creationId xmlns:a16="http://schemas.microsoft.com/office/drawing/2014/main" id="{22404850-CDBF-B78D-5F4D-46104A483AD6}"/>
+                <a16:creationId xmlns:a16="http://schemas.microsoft.com/office/drawing/2014/main" id="{CAFC576F-4586-E38B-3FBE-4A6C976ED28A}"/>
               </a:ext>
             </a:extLst>
           </p:cNvPr>
@@ -6061,47 +8020,86 @@
           <a:p>
             <a:r>
               <a:rPr lang="en-US" altLang="zh-CN" dirty="0"/>
-              <a:t>Contain </a:t>
-            </a:r>
+              <a:t>Graph feature:</a:t>
+            </a:r>
+          </a:p>
+          <a:p>
+            <a:pPr lvl="1"/>
             <a:r>
               <a:rPr lang="en-US" altLang="zh-CN" dirty="0" err="1"/>
-              <a:t>mPassNode</a:t>
+              <a:t>dag</a:t>
+            </a:r>
+            <a:r>
+              <a:rPr lang="en-US" altLang="zh-CN" dirty="0"/>
+              <a:t>: dependency graph</a:t>
+            </a:r>
+          </a:p>
+          <a:p>
+            <a:pPr lvl="1"/>
+            <a:r>
+              <a:rPr lang="en-US" altLang="zh-CN" dirty="0"/>
+              <a:t>pass nodes: array of pass nodes, each with edge to resource node</a:t>
+            </a:r>
+          </a:p>
+          <a:p>
+            <a:pPr lvl="1"/>
+            <a:r>
+              <a:rPr lang="en-US" altLang="zh-CN" dirty="0"/>
+              <a:t>resource nodes: array of resource nodes, each with edge to pass node</a:t>
+            </a:r>
+          </a:p>
+          <a:p>
+            <a:r>
+              <a:rPr lang="en-US" altLang="zh-CN" dirty="0"/>
+              <a:t>resource manage</a:t>
+            </a:r>
+          </a:p>
+          <a:p>
+            <a:pPr lvl="1"/>
+            <a:r>
+              <a:rPr lang="en-US" altLang="zh-CN" dirty="0"/>
+              <a:t>resources:  array of resource, for resource manage</a:t>
+            </a:r>
+          </a:p>
+          <a:p>
+            <a:pPr lvl="1"/>
+            <a:r>
+              <a:rPr lang="en-US" altLang="zh-CN" dirty="0"/>
+              <a:t>resource slots:  contain {node index, resource index} pair</a:t>
+            </a:r>
+          </a:p>
+          <a:p>
+            <a:pPr lvl="1"/>
+            <a:r>
+              <a:rPr lang="en-US" altLang="zh-CN" dirty="0"/>
+              <a:t>allocator: resource cache</a:t>
+            </a:r>
+          </a:p>
+          <a:p>
+            <a:pPr lvl="1"/>
+            <a:r>
+              <a:rPr lang="en-US" altLang="zh-CN" dirty="0"/>
+              <a:t>blackboard: resource </a:t>
+            </a:r>
+            <a:r>
+              <a:rPr lang="en-US" altLang="zh-CN" dirty="0" err="1"/>
+              <a:t>dict</a:t>
             </a:r>
             <a:endParaRPr lang="en-US" altLang="zh-CN" dirty="0"/>
           </a:p>
           <a:p>
+            <a:pPr lvl="1"/>
             <a:r>
               <a:rPr lang="en-US" altLang="zh-CN" dirty="0"/>
-              <a:t>Help to record </a:t>
-            </a:r>
-            <a:r>
-              <a:rPr lang="en-US" altLang="zh-CN" dirty="0" err="1"/>
-              <a:t>passNode</a:t>
-            </a:r>
-            <a:r>
-              <a:rPr lang="en-US" altLang="zh-CN" dirty="0"/>
-              <a:t> and forward function call to </a:t>
-            </a:r>
-            <a:r>
-              <a:rPr lang="en-US" altLang="zh-CN" dirty="0" err="1"/>
-              <a:t>fg</a:t>
-            </a:r>
-            <a:r>
-              <a:rPr lang="en-US" altLang="zh-CN" dirty="0"/>
-              <a:t> and </a:t>
-            </a:r>
-            <a:r>
-              <a:rPr lang="en-US" altLang="zh-CN" dirty="0" err="1"/>
-              <a:t>passnode</a:t>
-            </a:r>
-            <a:endParaRPr lang="zh-CN" altLang="en-US" dirty="0"/>
+              <a:t>resource handle is index of slot</a:t>
+            </a:r>
           </a:p>
         </p:txBody>
       </p:sp>
     </p:spTree>
     <p:extLst>
       <p:ext uri="{BB962C8B-B14F-4D97-AF65-F5344CB8AC3E}">
-        <p14:creationId xmlns:p14="http://schemas.microsoft.com/office/powerpoint/2010/main" val="1608022876"/>
+        <p14:creationId xmlns:p14="http://schemas.microsoft.com/office/powerpoint/2010/main" val="762898677"/>
       </p:ext>
     </p:extLst>
   </p:cSld>
@@ -6133,7 +8131,7 @@
           <p:cNvPr id="2" name="Title 1">
             <a:extLst>
               <a:ext uri="{FF2B5EF4-FFF2-40B4-BE49-F238E27FC236}">
-                <a16:creationId xmlns:a16="http://schemas.microsoft.com/office/drawing/2014/main" id="{B7AABB9C-8FFD-6064-9F0F-28BF8511C70B}"/>
+                <a16:creationId xmlns:a16="http://schemas.microsoft.com/office/drawing/2014/main" id="{0D2AA12D-6297-0CFC-F2CD-2524133E6D2F}"/>
               </a:ext>
             </a:extLst>
           </p:cNvPr>
@@ -6151,11 +8149,11 @@
           <a:p>
             <a:r>
               <a:rPr lang="en-US" altLang="zh-CN" dirty="0" err="1"/>
-              <a:t>fg</a:t>
+              <a:t>FrameGraph</a:t>
             </a:r>
             <a:r>
               <a:rPr lang="en-US" altLang="zh-CN" dirty="0"/>
-              <a:t> build – add resource node</a:t>
+              <a:t>::Builder</a:t>
             </a:r>
             <a:endParaRPr lang="zh-CN" altLang="en-US" dirty="0"/>
           </a:p>
@@ -6166,7 +8164,7 @@
           <p:cNvPr id="3" name="Content Placeholder 2">
             <a:extLst>
               <a:ext uri="{FF2B5EF4-FFF2-40B4-BE49-F238E27FC236}">
-                <a16:creationId xmlns:a16="http://schemas.microsoft.com/office/drawing/2014/main" id="{4C42031B-01E7-AE2B-5356-E7947D89E785}"/>
+                <a16:creationId xmlns:a16="http://schemas.microsoft.com/office/drawing/2014/main" id="{22404850-CDBF-B78D-5F4D-46104A483AD6}"/>
               </a:ext>
             </a:extLst>
           </p:cNvPr>
@@ -6183,19 +8181,27 @@
           <a:lstStyle/>
           <a:p>
             <a:r>
+              <a:rPr lang="en-US" altLang="zh-CN" dirty="0"/>
+              <a:t>Contain </a:t>
+            </a:r>
+            <a:r>
               <a:rPr lang="en-US" altLang="zh-CN" dirty="0" err="1"/>
-              <a:t>fg.create</a:t>
-            </a:r>
+              <a:t>mPassNode</a:t>
+            </a:r>
+            <a:endParaRPr lang="en-US" altLang="zh-CN" dirty="0"/>
+          </a:p>
+          <a:p>
             <a:r>
               <a:rPr lang="en-US" altLang="zh-CN" dirty="0"/>
-              <a:t>&lt;RESOURCE&gt;(name, descriptor)</a:t>
-            </a:r>
-          </a:p>
-          <a:p>
-            <a:pPr lvl="1"/>
+              <a:t>Help to record </a:t>
+            </a:r>
+            <a:r>
+              <a:rPr lang="en-US" altLang="zh-CN" dirty="0" err="1"/>
+              <a:t>passNode</a:t>
+            </a:r>
             <a:r>
               <a:rPr lang="en-US" altLang="zh-CN" dirty="0"/>
-              <a:t>create resource to </a:t>
+              <a:t> and forward function call to </a:t>
             </a:r>
             <a:r>
               <a:rPr lang="en-US" altLang="zh-CN" dirty="0" err="1"/>
@@ -6203,47 +8209,12 @@
             </a:r>
             <a:r>
               <a:rPr lang="en-US" altLang="zh-CN" dirty="0"/>
-              <a:t>, and add resource node</a:t>
-            </a:r>
-          </a:p>
-          <a:p>
+              <a:t> and </a:t>
+            </a:r>
             <a:r>
               <a:rPr lang="en-US" altLang="zh-CN" dirty="0" err="1"/>
-              <a:t>fg.import</a:t>
-            </a:r>
-            <a:r>
-              <a:rPr lang="en-US" altLang="zh-CN" dirty="0"/>
-              <a:t>&lt;RESOURCE&gt;(name, descriptor, usage, resource)</a:t>
-            </a:r>
-          </a:p>
-          <a:p>
-            <a:pPr lvl="1"/>
-            <a:r>
-              <a:rPr lang="en-US" altLang="zh-CN" dirty="0"/>
-              <a:t>Import external resource to </a:t>
-            </a:r>
-            <a:r>
-              <a:rPr lang="en-US" altLang="zh-CN" dirty="0" err="1"/>
-              <a:t>fg</a:t>
-            </a:r>
-            <a:r>
-              <a:rPr lang="en-US" altLang="zh-CN" dirty="0"/>
-              <a:t>, and add resource node</a:t>
-            </a:r>
-          </a:p>
-          <a:p>
-            <a:pPr lvl="1"/>
-            <a:r>
-              <a:rPr lang="en-US" altLang="zh-CN" dirty="0"/>
-              <a:t>the imported resource is subclass of Resource, lifetime not managed by </a:t>
-            </a:r>
-            <a:r>
-              <a:rPr lang="en-US" altLang="zh-CN" dirty="0" err="1"/>
-              <a:t>fg</a:t>
-            </a:r>
-            <a:endParaRPr lang="en-US" altLang="zh-CN" dirty="0"/>
-          </a:p>
-          <a:p>
+              <a:t>passnode</a:t>
+            </a:r>
             <a:endParaRPr lang="zh-CN" altLang="en-US" dirty="0"/>
           </a:p>
         </p:txBody>
@@ -6251,7 +8222,7 @@
     </p:spTree>
     <p:extLst>
       <p:ext uri="{BB962C8B-B14F-4D97-AF65-F5344CB8AC3E}">
-        <p14:creationId xmlns:p14="http://schemas.microsoft.com/office/powerpoint/2010/main" val="4277216035"/>
+        <p14:creationId xmlns:p14="http://schemas.microsoft.com/office/powerpoint/2010/main" val="1608022876"/>
       </p:ext>
     </p:extLst>
   </p:cSld>
@@ -6283,7 +8254,7 @@
           <p:cNvPr id="2" name="Title 1">
             <a:extLst>
               <a:ext uri="{FF2B5EF4-FFF2-40B4-BE49-F238E27FC236}">
-                <a16:creationId xmlns:a16="http://schemas.microsoft.com/office/drawing/2014/main" id="{94EBB4E1-7419-A660-389D-17A5D7D8AA41}"/>
+                <a16:creationId xmlns:a16="http://schemas.microsoft.com/office/drawing/2014/main" id="{B7AABB9C-8FFD-6064-9F0F-28BF8511C70B}"/>
               </a:ext>
             </a:extLst>
           </p:cNvPr>
@@ -6305,7 +8276,7 @@
             </a:r>
             <a:r>
               <a:rPr lang="en-US" altLang="zh-CN" dirty="0"/>
-              <a:t> build – add pass node</a:t>
+              <a:t> build – add resource node</a:t>
             </a:r>
             <a:endParaRPr lang="zh-CN" altLang="en-US" dirty="0"/>
           </a:p>
@@ -6316,7 +8287,7 @@
           <p:cNvPr id="3" name="Content Placeholder 2">
             <a:extLst>
               <a:ext uri="{FF2B5EF4-FFF2-40B4-BE49-F238E27FC236}">
-                <a16:creationId xmlns:a16="http://schemas.microsoft.com/office/drawing/2014/main" id="{C13C2DE7-CF10-F1C1-1050-3C87881808ED}"/>
+                <a16:creationId xmlns:a16="http://schemas.microsoft.com/office/drawing/2014/main" id="{4C42031B-01E7-AE2B-5356-E7947D89E785}"/>
               </a:ext>
             </a:extLst>
           </p:cNvPr>
@@ -6334,26 +8305,18 @@
           <a:p>
             <a:r>
               <a:rPr lang="en-US" altLang="zh-CN" dirty="0" err="1"/>
-              <a:t>fg.addPass</a:t>
+              <a:t>fg.create</a:t>
             </a:r>
             <a:r>
               <a:rPr lang="en-US" altLang="zh-CN" dirty="0"/>
-              <a:t>&lt;</a:t>
-            </a:r>
-            <a:r>
-              <a:rPr lang="en-US" altLang="zh-CN" dirty="0" err="1"/>
-              <a:t>PassData</a:t>
-            </a:r>
+              <a:t>&lt;RESOURCE&gt;(name, descriptor)</a:t>
+            </a:r>
+          </a:p>
+          <a:p>
+            <a:pPr lvl="1"/>
             <a:r>
               <a:rPr lang="en-US" altLang="zh-CN" dirty="0"/>
-              <a:t>&gt;(name, setup, execute)</a:t>
-            </a:r>
-          </a:p>
-          <a:p>
-            <a:pPr lvl="1"/>
-            <a:r>
-              <a:rPr lang="en-US" altLang="zh-CN" dirty="0"/>
-              <a:t>add pass node to </a:t>
+              <a:t>create resource to </a:t>
             </a:r>
             <a:r>
               <a:rPr lang="en-US" altLang="zh-CN" dirty="0" err="1"/>
@@ -6361,44 +8324,47 @@
             </a:r>
             <a:r>
               <a:rPr lang="en-US" altLang="zh-CN" dirty="0"/>
-              <a:t>, pass node contain pass which save execute</a:t>
+              <a:t>, and add resource node</a:t>
+            </a:r>
+          </a:p>
+          <a:p>
+            <a:r>
+              <a:rPr lang="en-US" altLang="zh-CN" dirty="0" err="1"/>
+              <a:t>fg.import</a:t>
+            </a:r>
+            <a:r>
+              <a:rPr lang="en-US" altLang="zh-CN" dirty="0"/>
+              <a:t>&lt;RESOURCE&gt;(name, descriptor, usage, resource)</a:t>
             </a:r>
           </a:p>
           <a:p>
             <a:pPr lvl="1"/>
             <a:r>
               <a:rPr lang="en-US" altLang="zh-CN" dirty="0"/>
-              <a:t>then immediately do setup</a:t>
+              <a:t>Import external resource to </a:t>
+            </a:r>
+            <a:r>
+              <a:rPr lang="en-US" altLang="zh-CN" dirty="0" err="1"/>
+              <a:t>fg</a:t>
+            </a:r>
+            <a:r>
+              <a:rPr lang="en-US" altLang="zh-CN" dirty="0"/>
+              <a:t>, and add resource node</a:t>
             </a:r>
           </a:p>
           <a:p>
             <a:pPr lvl="1"/>
             <a:r>
               <a:rPr lang="en-US" altLang="zh-CN" dirty="0"/>
-              <a:t>Both setup and execute and be lambda, the callback parameter has </a:t>
+              <a:t>the imported resource is subclass of Resource, lifetime not managed by </a:t>
             </a:r>
             <a:r>
               <a:rPr lang="en-US" altLang="zh-CN" dirty="0" err="1"/>
-              <a:t>PassData</a:t>
+              <a:t>fg</a:t>
             </a:r>
             <a:endParaRPr lang="en-US" altLang="zh-CN" dirty="0"/>
           </a:p>
           <a:p>
-            <a:r>
-              <a:rPr lang="en-US" altLang="zh-CN" dirty="0" err="1"/>
-              <a:t>fg.addTrivialSideEffectPass</a:t>
-            </a:r>
-            <a:r>
-              <a:rPr lang="en-US" altLang="zh-CN" dirty="0"/>
-              <a:t>(name, execute)</a:t>
-            </a:r>
-          </a:p>
-          <a:p>
-            <a:pPr lvl="1"/>
-            <a:r>
-              <a:rPr lang="en-US" altLang="zh-CN" dirty="0"/>
-              <a:t>add leaf pass, mark it as output node, so cannot be culled</a:t>
-            </a:r>
             <a:endParaRPr lang="zh-CN" altLang="en-US" dirty="0"/>
           </a:p>
         </p:txBody>
@@ -6406,7 +8372,7 @@
     </p:spTree>
     <p:extLst>
       <p:ext uri="{BB962C8B-B14F-4D97-AF65-F5344CB8AC3E}">
-        <p14:creationId xmlns:p14="http://schemas.microsoft.com/office/powerpoint/2010/main" val="2944023615"/>
+        <p14:creationId xmlns:p14="http://schemas.microsoft.com/office/powerpoint/2010/main" val="4277216035"/>
       </p:ext>
     </p:extLst>
   </p:cSld>
@@ -6438,7 +8404,7 @@
           <p:cNvPr id="2" name="Title 1">
             <a:extLst>
               <a:ext uri="{FF2B5EF4-FFF2-40B4-BE49-F238E27FC236}">
-                <a16:creationId xmlns:a16="http://schemas.microsoft.com/office/drawing/2014/main" id="{B33C4C28-1FF0-A2B2-A68E-62BE708502B3}"/>
+                <a16:creationId xmlns:a16="http://schemas.microsoft.com/office/drawing/2014/main" id="{94EBB4E1-7419-A660-389D-17A5D7D8AA41}"/>
               </a:ext>
             </a:extLst>
           </p:cNvPr>
@@ -6460,7 +8426,7 @@
             </a:r>
             <a:r>
               <a:rPr lang="en-US" altLang="zh-CN" dirty="0"/>
-              <a:t> build – add edge</a:t>
+              <a:t> build – add pass node</a:t>
             </a:r>
             <a:endParaRPr lang="zh-CN" altLang="en-US" dirty="0"/>
           </a:p>
@@ -6471,7 +8437,7 @@
           <p:cNvPr id="3" name="Content Placeholder 2">
             <a:extLst>
               <a:ext uri="{FF2B5EF4-FFF2-40B4-BE49-F238E27FC236}">
-                <a16:creationId xmlns:a16="http://schemas.microsoft.com/office/drawing/2014/main" id="{DE521B6D-DCB3-888D-563A-E7412052AA4C}"/>
+                <a16:creationId xmlns:a16="http://schemas.microsoft.com/office/drawing/2014/main" id="{C13C2DE7-CF10-F1C1-1050-3C87881808ED}"/>
               </a:ext>
             </a:extLst>
           </p:cNvPr>
@@ -6484,18 +8450,12 @@
         </p:nvSpPr>
         <p:spPr/>
         <p:txBody>
-          <a:bodyPr>
-            <a:normAutofit lnSpcReduction="10000"/>
-          </a:bodyPr>
+          <a:bodyPr/>
           <a:lstStyle/>
           <a:p>
             <a:r>
-              <a:rPr lang="en-US" altLang="zh-CN" dirty="0"/>
-              <a:t>This phase was called by setup of </a:t>
-            </a:r>
-            <a:r>
               <a:rPr lang="en-US" altLang="zh-CN" dirty="0" err="1"/>
-              <a:t>addPass</a:t>
+              <a:t>fg.addPass</a:t>
             </a:r>
             <a:r>
               <a:rPr lang="en-US" altLang="zh-CN" dirty="0"/>
@@ -6507,123 +8467,67 @@
             </a:r>
             <a:r>
               <a:rPr lang="en-US" altLang="zh-CN" dirty="0"/>
-              <a:t>&gt;(…setup…)</a:t>
-            </a:r>
-          </a:p>
-          <a:p>
+              <a:t>&gt;(name, setup, execute)</a:t>
+            </a:r>
+          </a:p>
+          <a:p>
+            <a:pPr lvl="1"/>
+            <a:r>
+              <a:rPr lang="en-US" altLang="zh-CN" dirty="0"/>
+              <a:t>add pass node to </a:t>
+            </a:r>
             <a:r>
               <a:rPr lang="en-US" altLang="zh-CN" dirty="0" err="1"/>
-              <a:t>builder.read</a:t>
+              <a:t>fg</a:t>
+            </a:r>
+            <a:r>
+              <a:rPr lang="en-US" altLang="zh-CN" dirty="0"/>
+              <a:t>, pass node contain pass which save execute</a:t>
+            </a:r>
+          </a:p>
+          <a:p>
+            <a:pPr lvl="1"/>
+            <a:r>
+              <a:rPr lang="en-US" altLang="zh-CN" dirty="0"/>
+              <a:t>then immediately do setup</a:t>
+            </a:r>
+          </a:p>
+          <a:p>
+            <a:pPr lvl="1"/>
+            <a:r>
+              <a:rPr lang="en-US" altLang="zh-CN" dirty="0"/>
+              <a:t>Both setup and execute and be lambda, the callback parameter has </a:t>
+            </a:r>
+            <a:r>
+              <a:rPr lang="en-US" altLang="zh-CN" dirty="0" err="1"/>
+              <a:t>PassData</a:t>
             </a:r>
             <a:endParaRPr lang="en-US" altLang="zh-CN" dirty="0"/>
           </a:p>
           <a:p>
+            <a:r>
+              <a:rPr lang="en-US" altLang="zh-CN" dirty="0" err="1"/>
+              <a:t>fg.addTrivialSideEffectPass</a:t>
+            </a:r>
+            <a:r>
+              <a:rPr lang="en-US" altLang="zh-CN" dirty="0"/>
+              <a:t>(name, execute)</a:t>
+            </a:r>
+          </a:p>
+          <a:p>
             <a:pPr lvl="1"/>
             <a:r>
               <a:rPr lang="en-US" altLang="zh-CN" dirty="0"/>
-              <a:t>forward call to </a:t>
-            </a:r>
-            <a:r>
-              <a:rPr lang="en-US" altLang="zh-CN" dirty="0" err="1"/>
-              <a:t>fg.read</a:t>
-            </a:r>
-            <a:endParaRPr lang="en-US" altLang="zh-CN" dirty="0"/>
-          </a:p>
-          <a:p>
-            <a:pPr lvl="1"/>
-            <a:r>
-              <a:rPr lang="en-US" altLang="zh-CN" dirty="0"/>
-              <a:t>define edge of reading resource node to self</a:t>
-            </a:r>
-          </a:p>
-          <a:p>
-            <a:r>
-              <a:rPr lang="en-US" altLang="zh-CN" dirty="0" err="1"/>
-              <a:t>builder.write</a:t>
-            </a:r>
-            <a:endParaRPr lang="en-US" altLang="zh-CN" dirty="0"/>
-          </a:p>
-          <a:p>
-            <a:pPr lvl="1"/>
-            <a:r>
-              <a:rPr lang="en-US" altLang="zh-CN" dirty="0"/>
-              <a:t>forward call to </a:t>
-            </a:r>
-            <a:r>
-              <a:rPr lang="en-US" altLang="zh-CN" dirty="0" err="1"/>
-              <a:t>fg.write</a:t>
-            </a:r>
-            <a:endParaRPr lang="en-US" altLang="zh-CN" dirty="0"/>
-          </a:p>
-          <a:p>
-            <a:pPr lvl="1"/>
-            <a:r>
-              <a:rPr lang="en-US" altLang="zh-CN" dirty="0"/>
-              <a:t>define edge of writing resource node to self</a:t>
-            </a:r>
-          </a:p>
-          <a:p>
-            <a:r>
-              <a:rPr lang="en-US" altLang="zh-CN" dirty="0" err="1"/>
-              <a:t>builder.declareRenderPass</a:t>
-            </a:r>
-            <a:r>
-              <a:rPr lang="en-US" altLang="zh-CN" dirty="0"/>
-              <a:t>(</a:t>
-            </a:r>
-            <a:r>
-              <a:rPr lang="en-US" altLang="zh-CN" dirty="0" err="1"/>
-              <a:t>renderTarget</a:t>
-            </a:r>
-            <a:r>
-              <a:rPr lang="en-US" altLang="zh-CN" dirty="0"/>
-              <a:t>)</a:t>
-            </a:r>
-          </a:p>
-          <a:p>
-            <a:pPr lvl="1"/>
-            <a:r>
-              <a:rPr lang="en-US" altLang="zh-CN" dirty="0"/>
-              <a:t>call </a:t>
-            </a:r>
-            <a:r>
-              <a:rPr lang="en-US" altLang="zh-CN" dirty="0" err="1"/>
-              <a:t>fg.write</a:t>
-            </a:r>
-            <a:r>
-              <a:rPr lang="en-US" altLang="zh-CN" dirty="0"/>
-              <a:t>(</a:t>
-            </a:r>
-            <a:r>
-              <a:rPr lang="en-US" altLang="zh-CN" dirty="0" err="1"/>
-              <a:t>renderTarget</a:t>
-            </a:r>
-            <a:r>
-              <a:rPr lang="en-US" altLang="zh-CN" dirty="0"/>
-              <a:t>) to define edge of pass node writing</a:t>
-            </a:r>
-          </a:p>
-          <a:p>
-            <a:pPr lvl="1"/>
-            <a:r>
-              <a:rPr lang="en-US" altLang="zh-CN" dirty="0"/>
-              <a:t>call </a:t>
-            </a:r>
-            <a:r>
-              <a:rPr lang="en-US" altLang="zh-CN" dirty="0" err="1"/>
-              <a:t>passnode.declareRenderTarget</a:t>
-            </a:r>
-            <a:r>
-              <a:rPr lang="en-US" altLang="zh-CN" dirty="0"/>
-              <a:t> to define pass node edges</a:t>
-            </a:r>
+              <a:t>add leaf pass, mark it as output node, so cannot be culled</a:t>
+            </a:r>
+            <a:endParaRPr lang="zh-CN" altLang="en-US" dirty="0"/>
           </a:p>
         </p:txBody>
       </p:sp>
     </p:spTree>
     <p:extLst>
       <p:ext uri="{BB962C8B-B14F-4D97-AF65-F5344CB8AC3E}">
-        <p14:creationId xmlns:p14="http://schemas.microsoft.com/office/powerpoint/2010/main" val="3128010740"/>
+        <p14:creationId xmlns:p14="http://schemas.microsoft.com/office/powerpoint/2010/main" val="2944023615"/>
       </p:ext>
     </p:extLst>
   </p:cSld>
@@ -6655,7 +8559,7 @@
           <p:cNvPr id="2" name="Title 1">
             <a:extLst>
               <a:ext uri="{FF2B5EF4-FFF2-40B4-BE49-F238E27FC236}">
-                <a16:creationId xmlns:a16="http://schemas.microsoft.com/office/drawing/2014/main" id="{A47E84B8-ABC6-B480-1BFA-CA9BF9146BB2}"/>
+                <a16:creationId xmlns:a16="http://schemas.microsoft.com/office/drawing/2014/main" id="{B33C4C28-1FF0-A2B2-A68E-62BE708502B3}"/>
               </a:ext>
             </a:extLst>
           </p:cNvPr>
@@ -6677,7 +8581,7 @@
             </a:r>
             <a:r>
               <a:rPr lang="en-US" altLang="zh-CN" dirty="0"/>
-              <a:t> compile</a:t>
+              <a:t> build – add edge</a:t>
             </a:r>
             <a:endParaRPr lang="zh-CN" altLang="en-US" dirty="0"/>
           </a:p>
@@ -6688,7 +8592,7 @@
           <p:cNvPr id="3" name="Content Placeholder 2">
             <a:extLst>
               <a:ext uri="{FF2B5EF4-FFF2-40B4-BE49-F238E27FC236}">
-                <a16:creationId xmlns:a16="http://schemas.microsoft.com/office/drawing/2014/main" id="{31F9D3E5-C021-E4FB-C1BA-CF37A42430E2}"/>
+                <a16:creationId xmlns:a16="http://schemas.microsoft.com/office/drawing/2014/main" id="{DE521B6D-DCB3-888D-563A-E7412052AA4C}"/>
               </a:ext>
             </a:extLst>
           </p:cNvPr>
@@ -6701,46 +8605,138 @@
         </p:nvSpPr>
         <p:spPr/>
         <p:txBody>
-          <a:bodyPr/>
+          <a:bodyPr>
+            <a:normAutofit lnSpcReduction="10000"/>
+          </a:bodyPr>
           <a:lstStyle/>
           <a:p>
             <a:r>
               <a:rPr lang="en-US" altLang="zh-CN" dirty="0"/>
-              <a:t>Cull branch by </a:t>
+              <a:t>This phase was called by setup of </a:t>
             </a:r>
             <a:r>
               <a:rPr lang="en-US" altLang="zh-CN" dirty="0" err="1"/>
-              <a:t>dag</a:t>
+              <a:t>addPass</a:t>
+            </a:r>
+            <a:r>
+              <a:rPr lang="en-US" altLang="zh-CN" dirty="0"/>
+              <a:t>&lt;</a:t>
+            </a:r>
+            <a:r>
+              <a:rPr lang="en-US" altLang="zh-CN" dirty="0" err="1"/>
+              <a:t>PassData</a:t>
+            </a:r>
+            <a:r>
+              <a:rPr lang="en-US" altLang="zh-CN" dirty="0"/>
+              <a:t>&gt;(…setup…)</a:t>
+            </a:r>
+          </a:p>
+          <a:p>
+            <a:r>
+              <a:rPr lang="en-US" altLang="zh-CN" dirty="0" err="1"/>
+              <a:t>builder.read</a:t>
             </a:r>
             <a:endParaRPr lang="en-US" altLang="zh-CN" dirty="0"/>
           </a:p>
           <a:p>
+            <a:pPr lvl="1"/>
             <a:r>
               <a:rPr lang="en-US" altLang="zh-CN" dirty="0"/>
-              <a:t>Register resource to </a:t>
+              <a:t>forward call to </a:t>
             </a:r>
             <a:r>
               <a:rPr lang="en-US" altLang="zh-CN" dirty="0" err="1"/>
-              <a:t>passnode.mDeclareHandles</a:t>
+              <a:t>fg.read</a:t>
             </a:r>
             <a:endParaRPr lang="en-US" altLang="zh-CN" dirty="0"/>
           </a:p>
           <a:p>
+            <a:pPr lvl="1"/>
             <a:r>
               <a:rPr lang="en-US" altLang="zh-CN" dirty="0"/>
-              <a:t>Generate allocate resource list</a:t>
-            </a:r>
-          </a:p>
-          <a:p>
+              <a:t>define edge of reading resource node to self</a:t>
+            </a:r>
+          </a:p>
+          <a:p>
+            <a:r>
+              <a:rPr lang="en-US" altLang="zh-CN" dirty="0" err="1"/>
+              <a:t>builder.write</a:t>
+            </a:r>
+            <a:endParaRPr lang="en-US" altLang="zh-CN" dirty="0"/>
+          </a:p>
+          <a:p>
+            <a:pPr lvl="1"/>
             <a:r>
               <a:rPr lang="en-US" altLang="zh-CN" dirty="0"/>
-              <a:t>Generate deallocate resource list</a:t>
-            </a:r>
-          </a:p>
-          <a:p>
+              <a:t>forward call to </a:t>
+            </a:r>
+            <a:r>
+              <a:rPr lang="en-US" altLang="zh-CN" dirty="0" err="1"/>
+              <a:t>fg.write</a:t>
+            </a:r>
+            <a:endParaRPr lang="en-US" altLang="zh-CN" dirty="0"/>
+          </a:p>
+          <a:p>
+            <a:pPr lvl="1"/>
             <a:r>
               <a:rPr lang="en-US" altLang="zh-CN" dirty="0"/>
-              <a:t>Generate pass node list by execute order</a:t>
+              <a:t>define edge of writing resource node to self</a:t>
+            </a:r>
+          </a:p>
+          <a:p>
+            <a:r>
+              <a:rPr lang="en-US" altLang="zh-CN" dirty="0" err="1"/>
+              <a:t>builder.declareRenderPass</a:t>
+            </a:r>
+            <a:r>
+              <a:rPr lang="en-US" altLang="zh-CN" dirty="0"/>
+              <a:t>(</a:t>
+            </a:r>
+            <a:r>
+              <a:rPr lang="en-US" altLang="zh-CN" dirty="0" err="1"/>
+              <a:t>renderTarget</a:t>
+            </a:r>
+            <a:r>
+              <a:rPr lang="en-US" altLang="zh-CN" dirty="0"/>
+              <a:t>)</a:t>
+            </a:r>
+          </a:p>
+          <a:p>
+            <a:pPr lvl="1"/>
+            <a:r>
+              <a:rPr lang="en-US" altLang="zh-CN" dirty="0"/>
+              <a:t>call </a:t>
+            </a:r>
+            <a:r>
+              <a:rPr lang="en-US" altLang="zh-CN" dirty="0" err="1"/>
+              <a:t>fg.write</a:t>
+            </a:r>
+            <a:r>
+              <a:rPr lang="en-US" altLang="zh-CN" dirty="0"/>
+              <a:t>(</a:t>
+            </a:r>
+            <a:r>
+              <a:rPr lang="en-US" altLang="zh-CN" dirty="0" err="1"/>
+              <a:t>renderTarget</a:t>
+            </a:r>
+            <a:r>
+              <a:rPr lang="en-US" altLang="zh-CN" dirty="0"/>
+              <a:t>) to define edge of pass node writing</a:t>
+            </a:r>
+          </a:p>
+          <a:p>
+            <a:pPr lvl="1"/>
+            <a:r>
+              <a:rPr lang="en-US" altLang="zh-CN" dirty="0"/>
+              <a:t>call </a:t>
+            </a:r>
+            <a:r>
+              <a:rPr lang="en-US" altLang="zh-CN" dirty="0" err="1"/>
+              <a:t>passnode.declareRenderTarget</a:t>
+            </a:r>
+            <a:r>
+              <a:rPr lang="en-US" altLang="zh-CN" dirty="0"/>
+              <a:t> to define pass node edges</a:t>
             </a:r>
           </a:p>
         </p:txBody>
@@ -6748,7 +8744,7 @@
     </p:spTree>
     <p:extLst>
       <p:ext uri="{BB962C8B-B14F-4D97-AF65-F5344CB8AC3E}">
-        <p14:creationId xmlns:p14="http://schemas.microsoft.com/office/powerpoint/2010/main" val="1670633383"/>
+        <p14:creationId xmlns:p14="http://schemas.microsoft.com/office/powerpoint/2010/main" val="3128010740"/>
       </p:ext>
     </p:extLst>
   </p:cSld>
@@ -6780,7 +8776,7 @@
           <p:cNvPr id="2" name="Title 1">
             <a:extLst>
               <a:ext uri="{FF2B5EF4-FFF2-40B4-BE49-F238E27FC236}">
-                <a16:creationId xmlns:a16="http://schemas.microsoft.com/office/drawing/2014/main" id="{51A8D5A5-9DE9-9A88-18F3-862614F8014E}"/>
+                <a16:creationId xmlns:a16="http://schemas.microsoft.com/office/drawing/2014/main" id="{A47E84B8-ABC6-B480-1BFA-CA9BF9146BB2}"/>
               </a:ext>
             </a:extLst>
           </p:cNvPr>
@@ -6798,7 +8794,7 @@
           <a:p>
             <a:r>
               <a:rPr lang="en-US" altLang="zh-CN" dirty="0" err="1"/>
-              <a:t>fg.execute</a:t>
+              <a:t>fg.compile</a:t>
             </a:r>
             <a:endParaRPr lang="zh-CN" altLang="en-US" dirty="0"/>
           </a:p>
@@ -6809,7 +8805,7 @@
           <p:cNvPr id="3" name="Content Placeholder 2">
             <a:extLst>
               <a:ext uri="{FF2B5EF4-FFF2-40B4-BE49-F238E27FC236}">
-                <a16:creationId xmlns:a16="http://schemas.microsoft.com/office/drawing/2014/main" id="{4E0211B9-2AD8-DBD5-04B6-C9AA1F13EFEF}"/>
+                <a16:creationId xmlns:a16="http://schemas.microsoft.com/office/drawing/2014/main" id="{31F9D3E5-C021-E4FB-C1BA-CF37A42430E2}"/>
               </a:ext>
             </a:extLst>
           </p:cNvPr>
@@ -6827,53 +8823,41 @@
           <a:p>
             <a:r>
               <a:rPr lang="en-US" altLang="zh-CN" dirty="0"/>
-              <a:t>foreach pass node in order list:</a:t>
-            </a:r>
-          </a:p>
-          <a:p>
-            <a:pPr lvl="1"/>
+              <a:t>Cull branch by </a:t>
+            </a:r>
+            <a:r>
+              <a:rPr lang="en-US" altLang="zh-CN" dirty="0" err="1"/>
+              <a:t>dag</a:t>
+            </a:r>
+            <a:endParaRPr lang="en-US" altLang="zh-CN" dirty="0"/>
+          </a:p>
+          <a:p>
             <a:r>
               <a:rPr lang="en-US" altLang="zh-CN" dirty="0"/>
-              <a:t>foreach virtual resource in allocate list of pass node: allocate real resource</a:t>
-            </a:r>
-          </a:p>
-          <a:p>
-            <a:pPr lvl="1"/>
+              <a:t>Register resource to </a:t>
+            </a:r>
             <a:r>
               <a:rPr lang="en-US" altLang="zh-CN" dirty="0" err="1"/>
-              <a:t>passnode.pass.execute</a:t>
-            </a:r>
+              <a:t>passnode.mDeclareHandles</a:t>
+            </a:r>
+            <a:endParaRPr lang="en-US" altLang="zh-CN" dirty="0"/>
+          </a:p>
+          <a:p>
             <a:r>
               <a:rPr lang="en-US" altLang="zh-CN" dirty="0"/>
-              <a:t> with parameter of </a:t>
-            </a:r>
-            <a:r>
-              <a:rPr lang="en-US" altLang="zh-CN" dirty="0" err="1"/>
-              <a:t>resourceList</a:t>
-            </a:r>
+              <a:t>Generate allocate resource list</a:t>
+            </a:r>
+          </a:p>
+          <a:p>
             <a:r>
               <a:rPr lang="en-US" altLang="zh-CN" dirty="0"/>
-              <a:t> of </a:t>
-            </a:r>
-            <a:r>
-              <a:rPr lang="en-US" altLang="zh-CN" dirty="0" err="1"/>
-              <a:t>passnode</a:t>
-            </a:r>
+              <a:t>Generate deallocate resource list</a:t>
+            </a:r>
+          </a:p>
+          <a:p>
             <a:r>
               <a:rPr lang="en-US" altLang="zh-CN" dirty="0"/>
-              <a:t> and </a:t>
-            </a:r>
-            <a:r>
-              <a:rPr lang="en-US" altLang="zh-CN" dirty="0" err="1"/>
-              <a:t>PassData</a:t>
-            </a:r>
-            <a:endParaRPr lang="en-US" altLang="zh-CN" dirty="0"/>
-          </a:p>
-          <a:p>
-            <a:pPr lvl="1"/>
-            <a:r>
-              <a:rPr lang="en-US" altLang="zh-CN" dirty="0"/>
-              <a:t>foreach virtual resource in deallocate list of pass node: deallocate real resource</a:t>
+              <a:t>Generate pass node list by execute order</a:t>
             </a:r>
           </a:p>
         </p:txBody>
@@ -6881,7 +8865,7 @@
     </p:spTree>
     <p:extLst>
       <p:ext uri="{BB962C8B-B14F-4D97-AF65-F5344CB8AC3E}">
-        <p14:creationId xmlns:p14="http://schemas.microsoft.com/office/powerpoint/2010/main" val="3631911561"/>
+        <p14:creationId xmlns:p14="http://schemas.microsoft.com/office/powerpoint/2010/main" val="1670633383"/>
       </p:ext>
     </p:extLst>
   </p:cSld>
@@ -6913,7 +8897,7 @@
           <p:cNvPr id="2" name="Title 1">
             <a:extLst>
               <a:ext uri="{FF2B5EF4-FFF2-40B4-BE49-F238E27FC236}">
-                <a16:creationId xmlns:a16="http://schemas.microsoft.com/office/drawing/2014/main" id="{66025BCE-A997-3B61-2C2A-96D54D2AC5B3}"/>
+                <a16:creationId xmlns:a16="http://schemas.microsoft.com/office/drawing/2014/main" id="{51A8D5A5-9DE9-9A88-18F3-862614F8014E}"/>
               </a:ext>
             </a:extLst>
           </p:cNvPr>
@@ -6930,8 +8914,8 @@
           <a:lstStyle/>
           <a:p>
             <a:r>
-              <a:rPr lang="en-US" altLang="zh-CN" dirty="0"/>
-              <a:t>Example of real render pass</a:t>
+              <a:rPr lang="en-US" altLang="zh-CN" dirty="0" err="1"/>
+              <a:t>fg.execute</a:t>
             </a:r>
             <a:endParaRPr lang="zh-CN" altLang="en-US" dirty="0"/>
           </a:p>
@@ -6942,7 +8926,7 @@
           <p:cNvPr id="3" name="Content Placeholder 2">
             <a:extLst>
               <a:ext uri="{FF2B5EF4-FFF2-40B4-BE49-F238E27FC236}">
-                <a16:creationId xmlns:a16="http://schemas.microsoft.com/office/drawing/2014/main" id="{B8B0351F-5297-A535-7077-1B1C053ADAC4}"/>
+                <a16:creationId xmlns:a16="http://schemas.microsoft.com/office/drawing/2014/main" id="{4E0211B9-2AD8-DBD5-04B6-C9AA1F13EFEF}"/>
               </a:ext>
             </a:extLst>
           </p:cNvPr>
@@ -6960,59 +8944,61 @@
           <a:p>
             <a:r>
               <a:rPr lang="en-US" altLang="zh-CN" dirty="0"/>
-              <a:t>A real pass may contain many object and many draw call</a:t>
-            </a:r>
-          </a:p>
-          <a:p>
+              <a:t>foreach pass node in order list:</a:t>
+            </a:r>
+          </a:p>
+          <a:p>
+            <a:pPr lvl="1"/>
+            <a:r>
+              <a:rPr lang="en-US" altLang="zh-CN" dirty="0"/>
+              <a:t>foreach virtual resource in allocate list of pass node: allocate real resource</a:t>
+            </a:r>
+          </a:p>
+          <a:p>
+            <a:pPr lvl="1"/>
             <a:r>
               <a:rPr lang="en-US" altLang="zh-CN" dirty="0" err="1"/>
-              <a:t>RenderPass</a:t>
+              <a:t>passnode.pass.execute</a:t>
             </a:r>
             <a:r>
               <a:rPr lang="en-US" altLang="zh-CN" dirty="0"/>
-              <a:t> execute:</a:t>
-            </a:r>
+              <a:t> with parameter of </a:t>
+            </a:r>
+            <a:r>
+              <a:rPr lang="en-US" altLang="zh-CN" dirty="0" err="1"/>
+              <a:t>resourceList</a:t>
+            </a:r>
+            <a:r>
+              <a:rPr lang="en-US" altLang="zh-CN" dirty="0"/>
+              <a:t> of </a:t>
+            </a:r>
+            <a:r>
+              <a:rPr lang="en-US" altLang="zh-CN" dirty="0" err="1"/>
+              <a:t>passnode</a:t>
+            </a:r>
+            <a:r>
+              <a:rPr lang="en-US" altLang="zh-CN" dirty="0"/>
+              <a:t> and </a:t>
+            </a:r>
+            <a:r>
+              <a:rPr lang="en-US" altLang="zh-CN" dirty="0" err="1"/>
+              <a:t>PassData</a:t>
+            </a:r>
+            <a:endParaRPr lang="en-US" altLang="zh-CN" dirty="0"/>
           </a:p>
           <a:p>
             <a:pPr lvl="1"/>
             <a:r>
               <a:rPr lang="en-US" altLang="zh-CN" dirty="0"/>
-              <a:t>Foreach </a:t>
-            </a:r>
-            <a:r>
-              <a:rPr lang="en-US" altLang="zh-CN" dirty="0" err="1"/>
-              <a:t>renderable</a:t>
-            </a:r>
-            <a:r>
-              <a:rPr lang="en-US" altLang="zh-CN" dirty="0"/>
-              <a:t> containing {prim, material} pairs:</a:t>
-            </a:r>
-          </a:p>
-          <a:p>
-            <a:pPr lvl="2"/>
-            <a:r>
-              <a:rPr lang="en-US" altLang="zh-CN" dirty="0"/>
-              <a:t>draw(prim, material, </a:t>
-            </a:r>
-            <a:r>
-              <a:rPr lang="en-US" altLang="zh-CN" dirty="0" err="1"/>
-              <a:t>passnode.resources</a:t>
-            </a:r>
-            <a:r>
-              <a:rPr lang="en-US" altLang="zh-CN" dirty="0"/>
-              <a:t>)</a:t>
-            </a:r>
-          </a:p>
-          <a:p>
-            <a:pPr lvl="2"/>
-            <a:endParaRPr lang="zh-CN" altLang="en-US" dirty="0"/>
+              <a:t>foreach virtual resource in deallocate list of pass node: deallocate real resource</a:t>
+            </a:r>
           </a:p>
         </p:txBody>
       </p:sp>
     </p:spTree>
     <p:extLst>
       <p:ext uri="{BB962C8B-B14F-4D97-AF65-F5344CB8AC3E}">
-        <p14:creationId xmlns:p14="http://schemas.microsoft.com/office/powerpoint/2010/main" val="1602252225"/>
+        <p14:creationId xmlns:p14="http://schemas.microsoft.com/office/powerpoint/2010/main" val="3631911561"/>
       </p:ext>
     </p:extLst>
   </p:cSld>
@@ -7044,7 +9030,7 @@
           <p:cNvPr id="2" name="Title 1">
             <a:extLst>
               <a:ext uri="{FF2B5EF4-FFF2-40B4-BE49-F238E27FC236}">
-                <a16:creationId xmlns:a16="http://schemas.microsoft.com/office/drawing/2014/main" id="{D6379677-7B2B-557F-6711-C850BAAC49A2}"/>
+                <a16:creationId xmlns:a16="http://schemas.microsoft.com/office/drawing/2014/main" id="{66025BCE-A997-3B61-2C2A-96D54D2AC5B3}"/>
               </a:ext>
             </a:extLst>
           </p:cNvPr>
@@ -7062,7 +9048,7 @@
           <a:p>
             <a:r>
               <a:rPr lang="en-US" altLang="zh-CN" dirty="0"/>
-              <a:t>Further topic I did not touch</a:t>
+              <a:t>Example of real render pass</a:t>
             </a:r>
             <a:endParaRPr lang="zh-CN" altLang="en-US" dirty="0"/>
           </a:p>
@@ -7073,7 +9059,7 @@
           <p:cNvPr id="3" name="Content Placeholder 2">
             <a:extLst>
               <a:ext uri="{FF2B5EF4-FFF2-40B4-BE49-F238E27FC236}">
-                <a16:creationId xmlns:a16="http://schemas.microsoft.com/office/drawing/2014/main" id="{F65D1F2D-100B-1FAA-7C6B-9238F6F9AD3A}"/>
+                <a16:creationId xmlns:a16="http://schemas.microsoft.com/office/drawing/2014/main" id="{B8B0351F-5297-A535-7077-1B1C053ADAC4}"/>
               </a:ext>
             </a:extLst>
           </p:cNvPr>
@@ -7090,19 +9076,52 @@
           <a:lstStyle/>
           <a:p>
             <a:r>
+              <a:rPr lang="en-US" altLang="zh-CN" dirty="0"/>
+              <a:t>A real pass may contain many object and many draw call</a:t>
+            </a:r>
+          </a:p>
+          <a:p>
+            <a:r>
               <a:rPr lang="en-US" altLang="zh-CN" dirty="0" err="1"/>
-              <a:t>Subresource</a:t>
+              <a:t>RenderPass</a:t>
             </a:r>
             <a:r>
               <a:rPr lang="en-US" altLang="zh-CN" dirty="0"/>
-              <a:t> and its parent: ?</a:t>
-            </a:r>
-          </a:p>
-          <a:p>
+              <a:t> execute:</a:t>
+            </a:r>
+          </a:p>
+          <a:p>
+            <a:pPr lvl="1"/>
             <a:r>
               <a:rPr lang="en-US" altLang="zh-CN" dirty="0"/>
-              <a:t>Resource slot version: ?</a:t>
-            </a:r>
+              <a:t>Foreach </a:t>
+            </a:r>
+            <a:r>
+              <a:rPr lang="en-US" altLang="zh-CN" dirty="0" err="1"/>
+              <a:t>renderable</a:t>
+            </a:r>
+            <a:r>
+              <a:rPr lang="en-US" altLang="zh-CN" dirty="0"/>
+              <a:t> containing {prim, material} pairs:</a:t>
+            </a:r>
+          </a:p>
+          <a:p>
+            <a:pPr lvl="2"/>
+            <a:r>
+              <a:rPr lang="en-US" altLang="zh-CN" dirty="0"/>
+              <a:t>draw(prim, material, </a:t>
+            </a:r>
+            <a:r>
+              <a:rPr lang="en-US" altLang="zh-CN" dirty="0" err="1"/>
+              <a:t>passnode.resources</a:t>
+            </a:r>
+            <a:r>
+              <a:rPr lang="en-US" altLang="zh-CN" dirty="0"/>
+              <a:t>)</a:t>
+            </a:r>
+          </a:p>
+          <a:p>
+            <a:pPr lvl="2"/>
             <a:endParaRPr lang="zh-CN" altLang="en-US" dirty="0"/>
           </a:p>
         </p:txBody>
@@ -7110,7 +9129,7 @@
     </p:spTree>
     <p:extLst>
       <p:ext uri="{BB962C8B-B14F-4D97-AF65-F5344CB8AC3E}">
-        <p14:creationId xmlns:p14="http://schemas.microsoft.com/office/powerpoint/2010/main" val="1937326301"/>
+        <p14:creationId xmlns:p14="http://schemas.microsoft.com/office/powerpoint/2010/main" val="1602252225"/>
       </p:ext>
     </p:extLst>
   </p:cSld>
@@ -7142,7 +9161,7 @@
           <p:cNvPr id="2" name="Title 1">
             <a:extLst>
               <a:ext uri="{FF2B5EF4-FFF2-40B4-BE49-F238E27FC236}">
-                <a16:creationId xmlns:a16="http://schemas.microsoft.com/office/drawing/2014/main" id="{36AEA1C3-E6BF-962B-8529-BD8F11370CFF}"/>
+                <a16:creationId xmlns:a16="http://schemas.microsoft.com/office/drawing/2014/main" id="{D6379677-7B2B-557F-6711-C850BAAC49A2}"/>
               </a:ext>
             </a:extLst>
           </p:cNvPr>
@@ -7160,7 +9179,7 @@
           <a:p>
             <a:r>
               <a:rPr lang="en-US" altLang="zh-CN" dirty="0"/>
-              <a:t>issues</a:t>
+              <a:t>Further topic I did not touch</a:t>
             </a:r>
             <a:endParaRPr lang="zh-CN" altLang="en-US" dirty="0"/>
           </a:p>
@@ -7171,7 +9190,7 @@
           <p:cNvPr id="3" name="Content Placeholder 2">
             <a:extLst>
               <a:ext uri="{FF2B5EF4-FFF2-40B4-BE49-F238E27FC236}">
-                <a16:creationId xmlns:a16="http://schemas.microsoft.com/office/drawing/2014/main" id="{286CD0AA-DD10-B6A9-5D9D-3F48A5F7DF52}"/>
+                <a16:creationId xmlns:a16="http://schemas.microsoft.com/office/drawing/2014/main" id="{F65D1F2D-100B-1FAA-7C6B-9238F6F9AD3A}"/>
               </a:ext>
             </a:extLst>
           </p:cNvPr>
@@ -7188,38 +9207,18 @@
           <a:lstStyle/>
           <a:p>
             <a:r>
+              <a:rPr lang="en-US" altLang="zh-CN" dirty="0" err="1"/>
+              <a:t>Subresource</a:t>
+            </a:r>
+            <a:r>
               <a:rPr lang="en-US" altLang="zh-CN" dirty="0"/>
-              <a:t>Is resource node necessary: maybe only need pass node</a:t>
+              <a:t> and its parent: ?</a:t>
             </a:r>
           </a:p>
           <a:p>
             <a:r>
               <a:rPr lang="en-US" altLang="zh-CN" dirty="0"/>
-              <a:t>Is resource parent necessary</a:t>
-            </a:r>
-          </a:p>
-          <a:p>
-            <a:r>
-              <a:rPr lang="en-US" altLang="zh-CN" dirty="0"/>
-              <a:t>Is version necessary</a:t>
-            </a:r>
-          </a:p>
-          <a:p>
-            <a:r>
-              <a:rPr lang="en-US" altLang="zh-CN" dirty="0"/>
-              <a:t>Parallel support</a:t>
-            </a:r>
-          </a:p>
-          <a:p>
-            <a:r>
-              <a:rPr lang="en-US" altLang="zh-CN" dirty="0"/>
-              <a:t>Async compute queue support</a:t>
-            </a:r>
-          </a:p>
-          <a:p>
-            <a:r>
-              <a:rPr lang="en-US" altLang="zh-CN" dirty="0"/>
-              <a:t>RAII wrapper of cached resource, so no manually fetch and release</a:t>
+              <a:t>Resource slot version: ?</a:t>
             </a:r>
             <a:endParaRPr lang="zh-CN" altLang="en-US" dirty="0"/>
           </a:p>
@@ -7228,7 +9227,7 @@
     </p:spTree>
     <p:extLst>
       <p:ext uri="{BB962C8B-B14F-4D97-AF65-F5344CB8AC3E}">
-        <p14:creationId xmlns:p14="http://schemas.microsoft.com/office/powerpoint/2010/main" val="647816595"/>
+        <p14:creationId xmlns:p14="http://schemas.microsoft.com/office/powerpoint/2010/main" val="1937326301"/>
       </p:ext>
     </p:extLst>
   </p:cSld>
@@ -7917,6 +9916,388 @@
 </file>
 
 <file path=ppt/slides/slide20.xml><?xml version="1.0" encoding="utf-8"?>
+<p:sld xmlns:a="http://schemas.openxmlformats.org/drawingml/2006/main" xmlns:r="http://schemas.openxmlformats.org/officeDocument/2006/relationships" xmlns:p="http://schemas.openxmlformats.org/presentationml/2006/main">
+  <p:cSld>
+    <p:spTree>
+      <p:nvGrpSpPr>
+        <p:cNvPr id="1" name=""/>
+        <p:cNvGrpSpPr/>
+        <p:nvPr/>
+      </p:nvGrpSpPr>
+      <p:grpSpPr>
+        <a:xfrm>
+          <a:off x="0" y="0"/>
+          <a:ext cx="0" cy="0"/>
+          <a:chOff x="0" y="0"/>
+          <a:chExt cx="0" cy="0"/>
+        </a:xfrm>
+      </p:grpSpPr>
+      <p:sp>
+        <p:nvSpPr>
+          <p:cNvPr id="2" name="Title 1">
+            <a:extLst>
+              <a:ext uri="{FF2B5EF4-FFF2-40B4-BE49-F238E27FC236}">
+                <a16:creationId xmlns:a16="http://schemas.microsoft.com/office/drawing/2014/main" id="{36AEA1C3-E6BF-962B-8529-BD8F11370CFF}"/>
+              </a:ext>
+            </a:extLst>
+          </p:cNvPr>
+          <p:cNvSpPr>
+            <a:spLocks noGrp="1"/>
+          </p:cNvSpPr>
+          <p:nvPr>
+            <p:ph type="title"/>
+          </p:nvPr>
+        </p:nvSpPr>
+        <p:spPr/>
+        <p:txBody>
+          <a:bodyPr/>
+          <a:lstStyle/>
+          <a:p>
+            <a:r>
+              <a:rPr lang="en-US" altLang="zh-CN" dirty="0"/>
+              <a:t>issues</a:t>
+            </a:r>
+            <a:endParaRPr lang="zh-CN" altLang="en-US" dirty="0"/>
+          </a:p>
+        </p:txBody>
+      </p:sp>
+      <p:sp>
+        <p:nvSpPr>
+          <p:cNvPr id="3" name="Content Placeholder 2">
+            <a:extLst>
+              <a:ext uri="{FF2B5EF4-FFF2-40B4-BE49-F238E27FC236}">
+                <a16:creationId xmlns:a16="http://schemas.microsoft.com/office/drawing/2014/main" id="{286CD0AA-DD10-B6A9-5D9D-3F48A5F7DF52}"/>
+              </a:ext>
+            </a:extLst>
+          </p:cNvPr>
+          <p:cNvSpPr>
+            <a:spLocks noGrp="1"/>
+          </p:cNvSpPr>
+          <p:nvPr>
+            <p:ph idx="1"/>
+          </p:nvPr>
+        </p:nvSpPr>
+        <p:spPr/>
+        <p:txBody>
+          <a:bodyPr/>
+          <a:lstStyle/>
+          <a:p>
+            <a:r>
+              <a:rPr lang="en-US" altLang="zh-CN" dirty="0"/>
+              <a:t>Is resource node necessary: maybe only need pass node</a:t>
+            </a:r>
+          </a:p>
+          <a:p>
+            <a:r>
+              <a:rPr lang="en-US" altLang="zh-CN" dirty="0"/>
+              <a:t>Is resource parent necessary</a:t>
+            </a:r>
+          </a:p>
+          <a:p>
+            <a:r>
+              <a:rPr lang="en-US" altLang="zh-CN" dirty="0"/>
+              <a:t>Is version necessary</a:t>
+            </a:r>
+          </a:p>
+          <a:p>
+            <a:r>
+              <a:rPr lang="en-US" altLang="zh-CN" dirty="0"/>
+              <a:t>Parallel support</a:t>
+            </a:r>
+          </a:p>
+          <a:p>
+            <a:r>
+              <a:rPr lang="en-US" altLang="zh-CN" dirty="0"/>
+              <a:t>Async compute queue support</a:t>
+            </a:r>
+          </a:p>
+          <a:p>
+            <a:r>
+              <a:rPr lang="en-US" altLang="zh-CN" dirty="0"/>
+              <a:t>RAII wrapper of cached resource, so no manually fetch and release</a:t>
+            </a:r>
+          </a:p>
+          <a:p>
+            <a:r>
+              <a:rPr lang="en-US" altLang="zh-CN" dirty="0"/>
+              <a:t>Does build </a:t>
+            </a:r>
+            <a:r>
+              <a:rPr lang="en-US" altLang="zh-CN" dirty="0" err="1"/>
+              <a:t>fg</a:t>
+            </a:r>
+            <a:r>
+              <a:rPr lang="en-US" altLang="zh-CN" dirty="0"/>
+              <a:t> every frame necessary</a:t>
+            </a:r>
+            <a:endParaRPr lang="zh-CN" altLang="en-US" dirty="0"/>
+          </a:p>
+        </p:txBody>
+      </p:sp>
+    </p:spTree>
+    <p:extLst>
+      <p:ext uri="{BB962C8B-B14F-4D97-AF65-F5344CB8AC3E}">
+        <p14:creationId xmlns:p14="http://schemas.microsoft.com/office/powerpoint/2010/main" val="647816595"/>
+      </p:ext>
+    </p:extLst>
+  </p:cSld>
+  <p:clrMapOvr>
+    <a:masterClrMapping/>
+  </p:clrMapOvr>
+</p:sld>
+</file>
+
+<file path=ppt/slides/slide21.xml><?xml version="1.0" encoding="utf-8"?>
+<p:sld xmlns:a="http://schemas.openxmlformats.org/drawingml/2006/main" xmlns:r="http://schemas.openxmlformats.org/officeDocument/2006/relationships" xmlns:p="http://schemas.openxmlformats.org/presentationml/2006/main">
+  <p:cSld>
+    <p:spTree>
+      <p:nvGrpSpPr>
+        <p:cNvPr id="1" name=""/>
+        <p:cNvGrpSpPr/>
+        <p:nvPr/>
+      </p:nvGrpSpPr>
+      <p:grpSpPr>
+        <a:xfrm>
+          <a:off x="0" y="0"/>
+          <a:ext cx="0" cy="0"/>
+          <a:chOff x="0" y="0"/>
+          <a:chExt cx="0" cy="0"/>
+        </a:xfrm>
+      </p:grpSpPr>
+      <p:sp>
+        <p:nvSpPr>
+          <p:cNvPr id="2" name="Title 1">
+            <a:extLst>
+              <a:ext uri="{FF2B5EF4-FFF2-40B4-BE49-F238E27FC236}">
+                <a16:creationId xmlns:a16="http://schemas.microsoft.com/office/drawing/2014/main" id="{BCCB67FA-E478-B5F8-514C-B6BE36A8768D}"/>
+              </a:ext>
+            </a:extLst>
+          </p:cNvPr>
+          <p:cNvSpPr>
+            <a:spLocks noGrp="1"/>
+          </p:cNvSpPr>
+          <p:nvPr>
+            <p:ph type="title"/>
+          </p:nvPr>
+        </p:nvSpPr>
+        <p:spPr/>
+        <p:txBody>
+          <a:bodyPr/>
+          <a:lstStyle/>
+          <a:p>
+            <a:r>
+              <a:rPr lang="en-US" altLang="zh-CN" dirty="0"/>
+              <a:t>summary</a:t>
+            </a:r>
+            <a:endParaRPr lang="zh-CN" altLang="en-US" dirty="0"/>
+          </a:p>
+        </p:txBody>
+      </p:sp>
+      <p:sp>
+        <p:nvSpPr>
+          <p:cNvPr id="3" name="Content Placeholder 2">
+            <a:extLst>
+              <a:ext uri="{FF2B5EF4-FFF2-40B4-BE49-F238E27FC236}">
+                <a16:creationId xmlns:a16="http://schemas.microsoft.com/office/drawing/2014/main" id="{9395F306-F4C2-332E-7338-84B7B0EDBA10}"/>
+              </a:ext>
+            </a:extLst>
+          </p:cNvPr>
+          <p:cNvSpPr>
+            <a:spLocks noGrp="1"/>
+          </p:cNvSpPr>
+          <p:nvPr>
+            <p:ph idx="1"/>
+          </p:nvPr>
+        </p:nvSpPr>
+        <p:spPr/>
+        <p:txBody>
+          <a:bodyPr>
+            <a:normAutofit fontScale="62500" lnSpcReduction="20000"/>
+          </a:bodyPr>
+          <a:lstStyle/>
+          <a:p>
+            <a:r>
+              <a:rPr lang="en-US" altLang="zh-CN" dirty="0"/>
+              <a:t>Why frame graph</a:t>
+            </a:r>
+          </a:p>
+          <a:p>
+            <a:pPr lvl="1"/>
+            <a:r>
+              <a:rPr lang="en-US" altLang="zh-CN" dirty="0"/>
+              <a:t>Automatic resource mange</a:t>
+            </a:r>
+          </a:p>
+          <a:p>
+            <a:pPr lvl="2"/>
+            <a:r>
+              <a:rPr lang="en-US" altLang="zh-CN" dirty="0" err="1"/>
+              <a:t>Alloc</a:t>
+            </a:r>
+            <a:r>
+              <a:rPr lang="en-US" altLang="zh-CN" dirty="0"/>
+              <a:t>/</a:t>
+            </a:r>
+            <a:r>
+              <a:rPr lang="en-US" altLang="zh-CN" dirty="0" err="1"/>
+              <a:t>dealloc</a:t>
+            </a:r>
+            <a:r>
+              <a:rPr lang="en-US" altLang="zh-CN" dirty="0"/>
+              <a:t>, cache</a:t>
+            </a:r>
+          </a:p>
+          <a:p>
+            <a:pPr lvl="2"/>
+            <a:r>
+              <a:rPr lang="en-US" altLang="zh-CN" dirty="0"/>
+              <a:t>State transition</a:t>
+            </a:r>
+          </a:p>
+          <a:p>
+            <a:pPr lvl="2"/>
+            <a:r>
+              <a:rPr lang="en-US" altLang="zh-CN" dirty="0"/>
+              <a:t>Sync</a:t>
+            </a:r>
+          </a:p>
+          <a:p>
+            <a:pPr lvl="1"/>
+            <a:r>
+              <a:rPr lang="en-US" altLang="zh-CN" dirty="0"/>
+              <a:t>Dependency resolve</a:t>
+            </a:r>
+          </a:p>
+          <a:p>
+            <a:pPr lvl="2"/>
+            <a:r>
+              <a:rPr lang="en-US" altLang="zh-CN" dirty="0"/>
+              <a:t>Pass execute order</a:t>
+            </a:r>
+          </a:p>
+          <a:p>
+            <a:pPr lvl="2"/>
+            <a:r>
+              <a:rPr lang="en-US" altLang="zh-CN" dirty="0"/>
+              <a:t>Sync of async compute</a:t>
+            </a:r>
+          </a:p>
+          <a:p>
+            <a:pPr lvl="1"/>
+            <a:r>
+              <a:rPr lang="en-US" altLang="zh-CN" dirty="0"/>
+              <a:t>Pipeline customize</a:t>
+            </a:r>
+          </a:p>
+          <a:p>
+            <a:r>
+              <a:rPr lang="en-US" altLang="zh-CN" dirty="0"/>
+              <a:t>Task of graph build</a:t>
+            </a:r>
+          </a:p>
+          <a:p>
+            <a:pPr lvl="1"/>
+            <a:r>
+              <a:rPr lang="en-US" altLang="zh-CN" dirty="0"/>
+              <a:t>Add resource node and pass node</a:t>
+            </a:r>
+          </a:p>
+          <a:p>
+            <a:pPr lvl="1"/>
+            <a:r>
+              <a:rPr lang="en-US" altLang="zh-CN" dirty="0"/>
+              <a:t>Define pass node reading and writing resource edge</a:t>
+            </a:r>
+          </a:p>
+          <a:p>
+            <a:r>
+              <a:rPr lang="en-US" altLang="zh-CN" dirty="0"/>
+              <a:t>Task of graph compile</a:t>
+            </a:r>
+          </a:p>
+          <a:p>
+            <a:pPr lvl="1"/>
+            <a:r>
+              <a:rPr lang="en-US" altLang="zh-CN" dirty="0"/>
+              <a:t>Cull branch, generate pass execute order list, async pass sync</a:t>
+            </a:r>
+          </a:p>
+          <a:p>
+            <a:pPr lvl="1"/>
+            <a:r>
+              <a:rPr lang="en-US" altLang="zh-CN" dirty="0"/>
+              <a:t>generate resource </a:t>
+            </a:r>
+            <a:r>
+              <a:rPr lang="en-US" altLang="zh-CN" dirty="0" err="1"/>
+              <a:t>alloc</a:t>
+            </a:r>
+            <a:r>
+              <a:rPr lang="en-US" altLang="zh-CN" dirty="0"/>
+              <a:t>/</a:t>
+            </a:r>
+            <a:r>
+              <a:rPr lang="en-US" altLang="zh-CN" dirty="0" err="1"/>
+              <a:t>dealloc</a:t>
+            </a:r>
+            <a:r>
+              <a:rPr lang="en-US" altLang="zh-CN" dirty="0"/>
+              <a:t> list, resource sync and state transition</a:t>
+            </a:r>
+          </a:p>
+          <a:p>
+            <a:r>
+              <a:rPr lang="en-US" altLang="zh-CN" dirty="0"/>
+              <a:t>Task of graph execute</a:t>
+            </a:r>
+          </a:p>
+          <a:p>
+            <a:pPr lvl="1"/>
+            <a:r>
+              <a:rPr lang="en-US" altLang="zh-CN" dirty="0"/>
+              <a:t>Real resource </a:t>
+            </a:r>
+            <a:r>
+              <a:rPr lang="en-US" altLang="zh-CN" dirty="0" err="1"/>
+              <a:t>alloc</a:t>
+            </a:r>
+            <a:r>
+              <a:rPr lang="en-US" altLang="zh-CN" dirty="0"/>
+              <a:t>/</a:t>
+            </a:r>
+            <a:r>
+              <a:rPr lang="en-US" altLang="zh-CN" dirty="0" err="1"/>
+              <a:t>dealloc</a:t>
+            </a:r>
+            <a:endParaRPr lang="en-US" altLang="zh-CN" dirty="0"/>
+          </a:p>
+          <a:p>
+            <a:pPr lvl="1"/>
+            <a:r>
+              <a:rPr lang="en-US" altLang="zh-CN" dirty="0"/>
+              <a:t>Execute of pass</a:t>
+            </a:r>
+          </a:p>
+          <a:p>
+            <a:pPr lvl="1"/>
+            <a:endParaRPr lang="zh-CN" altLang="en-US" dirty="0"/>
+          </a:p>
+        </p:txBody>
+      </p:sp>
+    </p:spTree>
+    <p:extLst>
+      <p:ext uri="{BB962C8B-B14F-4D97-AF65-F5344CB8AC3E}">
+        <p14:creationId xmlns:p14="http://schemas.microsoft.com/office/powerpoint/2010/main" val="157050781"/>
+      </p:ext>
+    </p:extLst>
+  </p:cSld>
+  <p:clrMapOvr>
+    <a:masterClrMapping/>
+  </p:clrMapOvr>
+</p:sld>
+</file>
+
+<file path=ppt/slides/slide22.xml><?xml version="1.0" encoding="utf-8"?>
 <p:sld xmlns:a="http://schemas.openxmlformats.org/drawingml/2006/main" xmlns:r="http://schemas.openxmlformats.org/officeDocument/2006/relationships" xmlns:p="http://schemas.openxmlformats.org/presentationml/2006/main">
   <p:cSld>
     <p:spTree>
@@ -14472,7 +16853,15 @@
           <a:p>
             <a:r>
               <a:rPr lang="en-US" altLang="zh-CN" dirty="0"/>
-              <a:t>Every time item was used, record its age</a:t>
+              <a:t>Every time item was used, record its age(</a:t>
+            </a:r>
+            <a:r>
+              <a:rPr lang="en-US" altLang="zh-CN" dirty="0" err="1"/>
+              <a:t>frameid</a:t>
+            </a:r>
+            <a:r>
+              <a:rPr lang="en-US" altLang="zh-CN" dirty="0"/>
+              <a:t>)</a:t>
             </a:r>
           </a:p>
           <a:p>
